--- a/teaching/思政小故事.pptx
+++ b/teaching/思政小故事.pptx
@@ -5,23 +5,22 @@
     <p:sldMasterId id="2147483648" r:id="rId1"/>
   </p:sldMasterIdLst>
   <p:sldIdLst>
-    <p:sldId id="256" r:id="rId3"/>
-    <p:sldId id="257" r:id="rId4"/>
-    <p:sldId id="258" r:id="rId5"/>
-    <p:sldId id="259" r:id="rId6"/>
-    <p:sldId id="260" r:id="rId7"/>
-    <p:sldId id="261" r:id="rId8"/>
-    <p:sldId id="262" r:id="rId9"/>
-    <p:sldId id="263" r:id="rId10"/>
-    <p:sldId id="265" r:id="rId11"/>
-    <p:sldId id="264" r:id="rId12"/>
-    <p:sldId id="266" r:id="rId13"/>
-    <p:sldId id="267" r:id="rId14"/>
-    <p:sldId id="268" r:id="rId15"/>
-    <p:sldId id="269" r:id="rId16"/>
-    <p:sldId id="272" r:id="rId17"/>
-    <p:sldId id="270" r:id="rId18"/>
-    <p:sldId id="271" r:id="rId19"/>
+    <p:sldId id="257" r:id="rId3"/>
+    <p:sldId id="258" r:id="rId4"/>
+    <p:sldId id="259" r:id="rId5"/>
+    <p:sldId id="260" r:id="rId6"/>
+    <p:sldId id="261" r:id="rId7"/>
+    <p:sldId id="262" r:id="rId8"/>
+    <p:sldId id="263" r:id="rId9"/>
+    <p:sldId id="265" r:id="rId10"/>
+    <p:sldId id="264" r:id="rId11"/>
+    <p:sldId id="266" r:id="rId12"/>
+    <p:sldId id="267" r:id="rId13"/>
+    <p:sldId id="268" r:id="rId14"/>
+    <p:sldId id="269" r:id="rId15"/>
+    <p:sldId id="272" r:id="rId16"/>
+    <p:sldId id="270" r:id="rId17"/>
+    <p:sldId id="271" r:id="rId18"/>
   </p:sldIdLst>
   <p:sldSz cx="12192000" cy="6858000"/>
   <p:notesSz cx="6858000" cy="9144000"/>
@@ -3419,57 +3418,719 @@
             <a:spLocks noGrp="1"/>
           </p:cNvSpPr>
           <p:nvPr>
-            <p:ph type="ctrTitle"/>
-            <p:custDataLst>
-              <p:tags r:id="rId1"/>
-            </p:custDataLst>
+            <p:ph type="title"/>
           </p:nvPr>
         </p:nvSpPr>
         <p:spPr/>
         <p:txBody>
           <a:bodyPr/>
           <a:p>
-            <a:r>
-              <a:rPr lang="zh-CN" altLang="zh-CN"/>
-              <a:t>空白演示</a:t>
-            </a:r>
-            <a:endParaRPr lang="zh-CN" altLang="zh-CN"/>
-          </a:p>
-        </p:txBody>
-      </p:sp>
-      <p:sp>
-        <p:nvSpPr>
-          <p:cNvPr id="3" name="副标题 2"/>
+            <a:endParaRPr lang="zh-CN" altLang="en-US"/>
+          </a:p>
+        </p:txBody>
+      </p:sp>
+      <p:pic>
+        <p:nvPicPr>
+          <p:cNvPr id="3" name="Picture 7"/>
+          <p:cNvPicPr>
+            <a:picLocks noChangeAspect="1" noChangeArrowheads="1"/>
+          </p:cNvPicPr>
+          <p:nvPr/>
+        </p:nvPicPr>
+        <p:blipFill>
+          <a:blip r:embed="rId1">
+            <a:extLst>
+              <a:ext uri="{28A0092B-C50C-407E-A947-70E740481C1C}">
+                <a14:useLocalDpi xmlns:a14="http://schemas.microsoft.com/office/drawing/2010/main" val="0"/>
+              </a:ext>
+            </a:extLst>
+          </a:blip>
+          <a:srcRect/>
+          <a:stretch>
+            <a:fillRect/>
+          </a:stretch>
+        </p:blipFill>
+        <p:spPr bwMode="auto">
+          <a:xfrm>
+            <a:off x="0" y="0"/>
+            <a:ext cx="12270105" cy="4146550"/>
+          </a:xfrm>
+          <a:prstGeom prst="rect">
+            <a:avLst/>
+          </a:prstGeom>
+          <a:noFill/>
+          <a:ln>
+            <a:noFill/>
+          </a:ln>
+          <a:effectLst/>
+          <a:extLst>
+            <a:ext uri="{909E8E84-426E-40DD-AFC4-6F175D3DCCD1}">
+              <a14:hiddenFill xmlns:a14="http://schemas.microsoft.com/office/drawing/2010/main">
+                <a:solidFill>
+                  <a:schemeClr val="accent1"/>
+                </a:solidFill>
+              </a14:hiddenFill>
+            </a:ext>
+            <a:ext uri="{91240B29-F687-4F45-9708-019B960494DF}">
+              <a14:hiddenLine xmlns:a14="http://schemas.microsoft.com/office/drawing/2010/main" w="9525">
+                <a:solidFill>
+                  <a:schemeClr val="tx1"/>
+                </a:solidFill>
+                <a:miter lim="800000"/>
+                <a:headEnd/>
+                <a:tailEnd/>
+              </a14:hiddenLine>
+            </a:ext>
+            <a:ext uri="{AF507438-7753-43E0-B8FC-AC1667EBCBE1}">
+              <a14:hiddenEffects xmlns:a14="http://schemas.microsoft.com/office/drawing/2010/main">
+                <a:effectLst>
+                  <a:outerShdw dist="35921" dir="2700000" algn="ctr" rotWithShape="0">
+                    <a:schemeClr val="bg2"/>
+                  </a:outerShdw>
+                </a:effectLst>
+              </a14:hiddenEffects>
+            </a:ext>
+          </a:extLst>
+        </p:spPr>
+      </p:pic>
+      <p:sp>
+        <p:nvSpPr>
+          <p:cNvPr id="5" name="矩形 2"/>
           <p:cNvSpPr>
-            <a:spLocks noGrp="1"/>
+            <a:spLocks noChangeArrowheads="1"/>
           </p:cNvSpPr>
-          <p:nvPr>
-            <p:ph type="subTitle" idx="1"/>
-            <p:custDataLst>
-              <p:tags r:id="rId2"/>
-            </p:custDataLst>
-          </p:nvPr>
-        </p:nvSpPr>
-        <p:spPr/>
-        <p:txBody>
-          <a:bodyPr/>
-          <a:p>
-            <a:r>
-              <a:rPr lang="zh-CN" altLang="en-US"/>
-              <a:t>单击输入您的封面副标题</a:t>
-            </a:r>
-            <a:endParaRPr lang="zh-CN" altLang="en-US"/>
+          <p:nvPr/>
+        </p:nvSpPr>
+        <p:spPr bwMode="auto">
+          <a:xfrm>
+            <a:off x="145733" y="4147593"/>
+            <a:ext cx="8777547" cy="521970"/>
+          </a:xfrm>
+          <a:prstGeom prst="rect">
+            <a:avLst/>
+          </a:prstGeom>
+          <a:noFill/>
+          <a:ln>
+            <a:noFill/>
+          </a:ln>
+          <a:extLst>
+            <a:ext uri="{909E8E84-426E-40DD-AFC4-6F175D3DCCD1}">
+              <a14:hiddenFill xmlns:a14="http://schemas.microsoft.com/office/drawing/2010/main">
+                <a:solidFill>
+                  <a:srgbClr val="FFFFFF"/>
+                </a:solidFill>
+              </a14:hiddenFill>
+            </a:ext>
+            <a:ext uri="{91240B29-F687-4F45-9708-019B960494DF}">
+              <a14:hiddenLine xmlns:a14="http://schemas.microsoft.com/office/drawing/2010/main" w="9525">
+                <a:solidFill>
+                  <a:srgbClr val="000000"/>
+                </a:solidFill>
+                <a:miter lim="800000"/>
+                <a:headEnd/>
+                <a:tailEnd/>
+              </a14:hiddenLine>
+            </a:ext>
+          </a:extLst>
+        </p:spPr>
+        <p:txBody>
+          <a:bodyPr wrap="square" anchor="ctr">
+            <a:spAutoFit/>
+          </a:bodyPr>
+          <a:lstStyle>
+            <a:lvl1pPr>
+              <a:defRPr>
+                <a:solidFill>
+                  <a:schemeClr val="tx1"/>
+                </a:solidFill>
+                <a:latin typeface="Arial" panose="020B0604020202020204" pitchFamily="34" charset="0"/>
+                <a:ea typeface="宋体" panose="02010600030101010101" pitchFamily="2" charset="-122"/>
+              </a:defRPr>
+            </a:lvl1pPr>
+            <a:lvl2pPr>
+              <a:defRPr>
+                <a:solidFill>
+                  <a:schemeClr val="tx1"/>
+                </a:solidFill>
+                <a:latin typeface="Arial" panose="020B0604020202020204" pitchFamily="34" charset="0"/>
+                <a:ea typeface="宋体" panose="02010600030101010101" pitchFamily="2" charset="-122"/>
+              </a:defRPr>
+            </a:lvl2pPr>
+            <a:lvl3pPr>
+              <a:defRPr>
+                <a:solidFill>
+                  <a:schemeClr val="tx1"/>
+                </a:solidFill>
+                <a:latin typeface="Arial" panose="020B0604020202020204" pitchFamily="34" charset="0"/>
+                <a:ea typeface="宋体" panose="02010600030101010101" pitchFamily="2" charset="-122"/>
+              </a:defRPr>
+            </a:lvl3pPr>
+            <a:lvl4pPr>
+              <a:defRPr>
+                <a:solidFill>
+                  <a:schemeClr val="tx1"/>
+                </a:solidFill>
+                <a:latin typeface="Arial" panose="020B0604020202020204" pitchFamily="34" charset="0"/>
+                <a:ea typeface="宋体" panose="02010600030101010101" pitchFamily="2" charset="-122"/>
+              </a:defRPr>
+            </a:lvl4pPr>
+            <a:lvl5pPr>
+              <a:defRPr>
+                <a:solidFill>
+                  <a:schemeClr val="tx1"/>
+                </a:solidFill>
+                <a:latin typeface="Arial" panose="020B0604020202020204" pitchFamily="34" charset="0"/>
+                <a:ea typeface="宋体" panose="02010600030101010101" pitchFamily="2" charset="-122"/>
+              </a:defRPr>
+            </a:lvl5pPr>
+            <a:lvl6pPr fontAlgn="base">
+              <a:spcBef>
+                <a:spcPct val="0"/>
+              </a:spcBef>
+              <a:spcAft>
+                <a:spcPct val="0"/>
+              </a:spcAft>
+              <a:buFont typeface="Arial" panose="020B0604020202020204" pitchFamily="34" charset="0"/>
+              <a:defRPr>
+                <a:solidFill>
+                  <a:schemeClr val="tx1"/>
+                </a:solidFill>
+                <a:latin typeface="Arial" panose="020B0604020202020204" pitchFamily="34" charset="0"/>
+                <a:ea typeface="宋体" panose="02010600030101010101" pitchFamily="2" charset="-122"/>
+              </a:defRPr>
+            </a:lvl6pPr>
+            <a:lvl7pPr fontAlgn="base">
+              <a:spcBef>
+                <a:spcPct val="0"/>
+              </a:spcBef>
+              <a:spcAft>
+                <a:spcPct val="0"/>
+              </a:spcAft>
+              <a:buFont typeface="Arial" panose="020B0604020202020204" pitchFamily="34" charset="0"/>
+              <a:defRPr>
+                <a:solidFill>
+                  <a:schemeClr val="tx1"/>
+                </a:solidFill>
+                <a:latin typeface="Arial" panose="020B0604020202020204" pitchFamily="34" charset="0"/>
+                <a:ea typeface="宋体" panose="02010600030101010101" pitchFamily="2" charset="-122"/>
+              </a:defRPr>
+            </a:lvl7pPr>
+            <a:lvl8pPr fontAlgn="base">
+              <a:spcBef>
+                <a:spcPct val="0"/>
+              </a:spcBef>
+              <a:spcAft>
+                <a:spcPct val="0"/>
+              </a:spcAft>
+              <a:buFont typeface="Arial" panose="020B0604020202020204" pitchFamily="34" charset="0"/>
+              <a:defRPr>
+                <a:solidFill>
+                  <a:schemeClr val="tx1"/>
+                </a:solidFill>
+                <a:latin typeface="Arial" panose="020B0604020202020204" pitchFamily="34" charset="0"/>
+                <a:ea typeface="宋体" panose="02010600030101010101" pitchFamily="2" charset="-122"/>
+              </a:defRPr>
+            </a:lvl8pPr>
+            <a:lvl9pPr fontAlgn="base">
+              <a:spcBef>
+                <a:spcPct val="0"/>
+              </a:spcBef>
+              <a:spcAft>
+                <a:spcPct val="0"/>
+              </a:spcAft>
+              <a:buFont typeface="Arial" panose="020B0604020202020204" pitchFamily="34" charset="0"/>
+              <a:defRPr>
+                <a:solidFill>
+                  <a:schemeClr val="tx1"/>
+                </a:solidFill>
+                <a:latin typeface="Arial" panose="020B0604020202020204" pitchFamily="34" charset="0"/>
+                <a:ea typeface="宋体" panose="02010600030101010101" pitchFamily="2" charset="-122"/>
+              </a:defRPr>
+            </a:lvl9pPr>
+          </a:lstStyle>
+          <a:p>
+            <a:r>
+              <a:rPr lang="zh-CN" altLang="en-US" sz="2800" b="1" dirty="0">
+                <a:solidFill>
+                  <a:srgbClr val="595959"/>
+                </a:solidFill>
+                <a:latin typeface="微软雅黑" panose="020B0503020204020204" pitchFamily="34" charset="-122"/>
+                <a:ea typeface="微软雅黑" panose="020B0503020204020204" pitchFamily="34" charset="-122"/>
+                <a:sym typeface="经典繁仿黑" pitchFamily="1" charset="-122"/>
+              </a:rPr>
+              <a:t>上海健康医学院</a:t>
+            </a:r>
+            <a:r>
+              <a:rPr lang="en-US" altLang="zh-CN" sz="2800" b="1" dirty="0" smtClean="0">
+                <a:solidFill>
+                  <a:srgbClr val="595959"/>
+                </a:solidFill>
+                <a:latin typeface="微软雅黑" panose="020B0503020204020204" pitchFamily="34" charset="-122"/>
+                <a:ea typeface="微软雅黑" panose="020B0503020204020204" pitchFamily="34" charset="-122"/>
+                <a:sym typeface="经典繁仿黑" pitchFamily="1" charset="-122"/>
+              </a:rPr>
+              <a:t>《</a:t>
+            </a:r>
+            <a:r>
+              <a:rPr lang="zh-CN" altLang="en-US" sz="2800" b="1" dirty="0" smtClean="0">
+                <a:solidFill>
+                  <a:srgbClr val="595959"/>
+                </a:solidFill>
+                <a:latin typeface="微软雅黑" panose="020B0503020204020204" pitchFamily="34" charset="-122"/>
+                <a:ea typeface="微软雅黑" panose="020B0503020204020204" pitchFamily="34" charset="-122"/>
+                <a:sym typeface="经典繁仿黑" pitchFamily="1" charset="-122"/>
+              </a:rPr>
+              <a:t>口腔科学</a:t>
+            </a:r>
+            <a:r>
+              <a:rPr lang="en-US" altLang="zh-CN" sz="2800" b="1" dirty="0" smtClean="0">
+                <a:solidFill>
+                  <a:srgbClr val="595959"/>
+                </a:solidFill>
+                <a:latin typeface="微软雅黑" panose="020B0503020204020204" pitchFamily="34" charset="-122"/>
+                <a:ea typeface="微软雅黑" panose="020B0503020204020204" pitchFamily="34" charset="-122"/>
+                <a:sym typeface="经典繁仿黑" pitchFamily="1" charset="-122"/>
+              </a:rPr>
+              <a:t>》</a:t>
+            </a:r>
+            <a:endParaRPr lang="zh-CN" altLang="en-US" sz="2800" b="1" dirty="0">
+              <a:solidFill>
+                <a:srgbClr val="595959"/>
+              </a:solidFill>
+              <a:latin typeface="微软雅黑" panose="020B0503020204020204" pitchFamily="34" charset="-122"/>
+              <a:ea typeface="微软雅黑" panose="020B0503020204020204" pitchFamily="34" charset="-122"/>
+              <a:sym typeface="经典繁仿黑" pitchFamily="1" charset="-122"/>
+            </a:endParaRPr>
+          </a:p>
+        </p:txBody>
+      </p:sp>
+      <p:sp>
+        <p:nvSpPr>
+          <p:cNvPr id="6" name="TextBox 3"/>
+          <p:cNvSpPr>
+            <a:spLocks noChangeArrowheads="1"/>
+          </p:cNvSpPr>
+          <p:nvPr/>
+        </p:nvSpPr>
+        <p:spPr bwMode="auto">
+          <a:xfrm>
+            <a:off x="2008969" y="4594627"/>
+            <a:ext cx="8393112" cy="1445260"/>
+          </a:xfrm>
+          <a:prstGeom prst="rect">
+            <a:avLst/>
+          </a:prstGeom>
+          <a:noFill/>
+          <a:ln>
+            <a:noFill/>
+          </a:ln>
+          <a:extLst>
+            <a:ext uri="{909E8E84-426E-40DD-AFC4-6F175D3DCCD1}">
+              <a14:hiddenFill xmlns:a14="http://schemas.microsoft.com/office/drawing/2010/main">
+                <a:solidFill>
+                  <a:srgbClr val="FFFFFF"/>
+                </a:solidFill>
+              </a14:hiddenFill>
+            </a:ext>
+            <a:ext uri="{91240B29-F687-4F45-9708-019B960494DF}">
+              <a14:hiddenLine xmlns:a14="http://schemas.microsoft.com/office/drawing/2010/main" w="9525">
+                <a:solidFill>
+                  <a:srgbClr val="000000"/>
+                </a:solidFill>
+                <a:miter lim="800000"/>
+                <a:headEnd/>
+                <a:tailEnd/>
+              </a14:hiddenLine>
+            </a:ext>
+          </a:extLst>
+        </p:spPr>
+        <p:txBody>
+          <a:bodyPr anchor="ctr">
+            <a:spAutoFit/>
+          </a:bodyPr>
+          <a:lstStyle>
+            <a:lvl1pPr>
+              <a:defRPr>
+                <a:solidFill>
+                  <a:schemeClr val="tx1"/>
+                </a:solidFill>
+                <a:latin typeface="Arial" panose="020B0604020202020204" pitchFamily="34" charset="0"/>
+                <a:ea typeface="宋体" panose="02010600030101010101" pitchFamily="2" charset="-122"/>
+              </a:defRPr>
+            </a:lvl1pPr>
+            <a:lvl2pPr>
+              <a:defRPr>
+                <a:solidFill>
+                  <a:schemeClr val="tx1"/>
+                </a:solidFill>
+                <a:latin typeface="Arial" panose="020B0604020202020204" pitchFamily="34" charset="0"/>
+                <a:ea typeface="宋体" panose="02010600030101010101" pitchFamily="2" charset="-122"/>
+              </a:defRPr>
+            </a:lvl2pPr>
+            <a:lvl3pPr>
+              <a:defRPr>
+                <a:solidFill>
+                  <a:schemeClr val="tx1"/>
+                </a:solidFill>
+                <a:latin typeface="Arial" panose="020B0604020202020204" pitchFamily="34" charset="0"/>
+                <a:ea typeface="宋体" panose="02010600030101010101" pitchFamily="2" charset="-122"/>
+              </a:defRPr>
+            </a:lvl3pPr>
+            <a:lvl4pPr>
+              <a:defRPr>
+                <a:solidFill>
+                  <a:schemeClr val="tx1"/>
+                </a:solidFill>
+                <a:latin typeface="Arial" panose="020B0604020202020204" pitchFamily="34" charset="0"/>
+                <a:ea typeface="宋体" panose="02010600030101010101" pitchFamily="2" charset="-122"/>
+              </a:defRPr>
+            </a:lvl4pPr>
+            <a:lvl5pPr>
+              <a:defRPr>
+                <a:solidFill>
+                  <a:schemeClr val="tx1"/>
+                </a:solidFill>
+                <a:latin typeface="Arial" panose="020B0604020202020204" pitchFamily="34" charset="0"/>
+                <a:ea typeface="宋体" panose="02010600030101010101" pitchFamily="2" charset="-122"/>
+              </a:defRPr>
+            </a:lvl5pPr>
+            <a:lvl6pPr fontAlgn="base">
+              <a:spcBef>
+                <a:spcPct val="0"/>
+              </a:spcBef>
+              <a:spcAft>
+                <a:spcPct val="0"/>
+              </a:spcAft>
+              <a:buFont typeface="Arial" panose="020B0604020202020204" pitchFamily="34" charset="0"/>
+              <a:defRPr>
+                <a:solidFill>
+                  <a:schemeClr val="tx1"/>
+                </a:solidFill>
+                <a:latin typeface="Arial" panose="020B0604020202020204" pitchFamily="34" charset="0"/>
+                <a:ea typeface="宋体" panose="02010600030101010101" pitchFamily="2" charset="-122"/>
+              </a:defRPr>
+            </a:lvl6pPr>
+            <a:lvl7pPr fontAlgn="base">
+              <a:spcBef>
+                <a:spcPct val="0"/>
+              </a:spcBef>
+              <a:spcAft>
+                <a:spcPct val="0"/>
+              </a:spcAft>
+              <a:buFont typeface="Arial" panose="020B0604020202020204" pitchFamily="34" charset="0"/>
+              <a:defRPr>
+                <a:solidFill>
+                  <a:schemeClr val="tx1"/>
+                </a:solidFill>
+                <a:latin typeface="Arial" panose="020B0604020202020204" pitchFamily="34" charset="0"/>
+                <a:ea typeface="宋体" panose="02010600030101010101" pitchFamily="2" charset="-122"/>
+              </a:defRPr>
+            </a:lvl7pPr>
+            <a:lvl8pPr fontAlgn="base">
+              <a:spcBef>
+                <a:spcPct val="0"/>
+              </a:spcBef>
+              <a:spcAft>
+                <a:spcPct val="0"/>
+              </a:spcAft>
+              <a:buFont typeface="Arial" panose="020B0604020202020204" pitchFamily="34" charset="0"/>
+              <a:defRPr>
+                <a:solidFill>
+                  <a:schemeClr val="tx1"/>
+                </a:solidFill>
+                <a:latin typeface="Arial" panose="020B0604020202020204" pitchFamily="34" charset="0"/>
+                <a:ea typeface="宋体" panose="02010600030101010101" pitchFamily="2" charset="-122"/>
+              </a:defRPr>
+            </a:lvl8pPr>
+            <a:lvl9pPr fontAlgn="base">
+              <a:spcBef>
+                <a:spcPct val="0"/>
+              </a:spcBef>
+              <a:spcAft>
+                <a:spcPct val="0"/>
+              </a:spcAft>
+              <a:buFont typeface="Arial" panose="020B0604020202020204" pitchFamily="34" charset="0"/>
+              <a:defRPr>
+                <a:solidFill>
+                  <a:schemeClr val="tx1"/>
+                </a:solidFill>
+                <a:latin typeface="Arial" panose="020B0604020202020204" pitchFamily="34" charset="0"/>
+                <a:ea typeface="宋体" panose="02010600030101010101" pitchFamily="2" charset="-122"/>
+              </a:defRPr>
+            </a:lvl9pPr>
+          </a:lstStyle>
+          <a:p>
+            <a:pPr algn="ctr"/>
+            <a:r>
+              <a:rPr lang="zh-CN" altLang="en-US" sz="4400" b="1" smtClean="0">
+                <a:latin typeface="微软雅黑" panose="020B0503020204020204" pitchFamily="34" charset="-122"/>
+                <a:ea typeface="微软雅黑" panose="020B0503020204020204" pitchFamily="34" charset="-122"/>
+                <a:sym typeface="经典繁仿黑" pitchFamily="1" charset="-122"/>
+              </a:rPr>
+              <a:t> </a:t>
+            </a:r>
+            <a:r>
+              <a:rPr lang="zh-CN" altLang="en-US" sz="4400" b="1" smtClean="0">
+                <a:solidFill>
+                  <a:srgbClr val="C00000"/>
+                </a:solidFill>
+                <a:latin typeface="微软雅黑" panose="020B0503020204020204" pitchFamily="34" charset="-122"/>
+                <a:ea typeface="微软雅黑" panose="020B0503020204020204" pitchFamily="34" charset="-122"/>
+                <a:sym typeface="经典繁仿黑" pitchFamily="1" charset="-122"/>
+              </a:rPr>
+              <a:t>第一章 </a:t>
+            </a:r>
+            <a:r>
+              <a:rPr lang="zh-CN" altLang="en-US" sz="4400" b="1" dirty="0" smtClean="0">
+                <a:solidFill>
+                  <a:srgbClr val="C00000"/>
+                </a:solidFill>
+                <a:latin typeface="Times New Roman" panose="02020603050405020304"/>
+                <a:ea typeface="微软雅黑" panose="020B0503020204020204" pitchFamily="34" charset="-122"/>
+              </a:rPr>
+              <a:t>口腔</a:t>
+            </a:r>
+            <a:r>
+              <a:rPr lang="zh-CN" altLang="en-US" sz="4400" b="1" dirty="0">
+                <a:solidFill>
+                  <a:srgbClr val="C00000"/>
+                </a:solidFill>
+                <a:latin typeface="Times New Roman" panose="02020603050405020304"/>
+                <a:ea typeface="微软雅黑" panose="020B0503020204020204" pitchFamily="34" charset="-122"/>
+              </a:rPr>
+              <a:t>颌面部解剖生理</a:t>
+            </a:r>
+            <a:endParaRPr lang="en-US" altLang="zh-CN" sz="4400" b="1" dirty="0">
+              <a:solidFill>
+                <a:srgbClr val="2B2F3A"/>
+              </a:solidFill>
+              <a:latin typeface="Times New Roman" panose="02020603050405020304"/>
+              <a:ea typeface="微软雅黑" panose="020B0503020204020204" pitchFamily="34" charset="-122"/>
+            </a:endParaRPr>
+          </a:p>
+          <a:p>
+            <a:pPr algn="ctr"/>
+            <a:endParaRPr lang="en-US" altLang="zh-CN" sz="4400" b="1" dirty="0">
+              <a:solidFill>
+                <a:srgbClr val="C00000"/>
+              </a:solidFill>
+              <a:latin typeface="微软雅黑" panose="020B0503020204020204" pitchFamily="34" charset="-122"/>
+              <a:ea typeface="微软雅黑" panose="020B0503020204020204" pitchFamily="34" charset="-122"/>
+              <a:sym typeface="经典繁仿黑" pitchFamily="1" charset="-122"/>
+            </a:endParaRPr>
+          </a:p>
+        </p:txBody>
+      </p:sp>
+      <p:sp>
+        <p:nvSpPr>
+          <p:cNvPr id="7" name="TextBox 7"/>
+          <p:cNvSpPr>
+            <a:spLocks noChangeArrowheads="1"/>
+          </p:cNvSpPr>
+          <p:nvPr/>
+        </p:nvSpPr>
+        <p:spPr bwMode="auto">
+          <a:xfrm>
+            <a:off x="3788410" y="5091034"/>
+            <a:ext cx="4615790" cy="1014730"/>
+          </a:xfrm>
+          <a:prstGeom prst="rect">
+            <a:avLst/>
+          </a:prstGeom>
+          <a:noFill/>
+          <a:ln>
+            <a:noFill/>
+          </a:ln>
+          <a:extLst>
+            <a:ext uri="{909E8E84-426E-40DD-AFC4-6F175D3DCCD1}">
+              <a14:hiddenFill xmlns:a14="http://schemas.microsoft.com/office/drawing/2010/main">
+                <a:solidFill>
+                  <a:srgbClr val="FFFFFF"/>
+                </a:solidFill>
+              </a14:hiddenFill>
+            </a:ext>
+            <a:ext uri="{91240B29-F687-4F45-9708-019B960494DF}">
+              <a14:hiddenLine xmlns:a14="http://schemas.microsoft.com/office/drawing/2010/main" w="9525">
+                <a:solidFill>
+                  <a:srgbClr val="000000"/>
+                </a:solidFill>
+                <a:miter lim="800000"/>
+                <a:headEnd/>
+                <a:tailEnd/>
+              </a14:hiddenLine>
+            </a:ext>
+          </a:extLst>
+        </p:spPr>
+        <p:txBody>
+          <a:bodyPr wrap="square" anchor="ctr">
+            <a:spAutoFit/>
+          </a:bodyPr>
+          <a:lstStyle>
+            <a:lvl1pPr>
+              <a:defRPr>
+                <a:solidFill>
+                  <a:schemeClr val="tx1"/>
+                </a:solidFill>
+                <a:latin typeface="Arial" panose="020B0604020202020204" pitchFamily="34" charset="0"/>
+                <a:ea typeface="宋体" panose="02010600030101010101" pitchFamily="2" charset="-122"/>
+              </a:defRPr>
+            </a:lvl1pPr>
+            <a:lvl2pPr>
+              <a:defRPr>
+                <a:solidFill>
+                  <a:schemeClr val="tx1"/>
+                </a:solidFill>
+                <a:latin typeface="Arial" panose="020B0604020202020204" pitchFamily="34" charset="0"/>
+                <a:ea typeface="宋体" panose="02010600030101010101" pitchFamily="2" charset="-122"/>
+              </a:defRPr>
+            </a:lvl2pPr>
+            <a:lvl3pPr>
+              <a:defRPr>
+                <a:solidFill>
+                  <a:schemeClr val="tx1"/>
+                </a:solidFill>
+                <a:latin typeface="Arial" panose="020B0604020202020204" pitchFamily="34" charset="0"/>
+                <a:ea typeface="宋体" panose="02010600030101010101" pitchFamily="2" charset="-122"/>
+              </a:defRPr>
+            </a:lvl3pPr>
+            <a:lvl4pPr>
+              <a:defRPr>
+                <a:solidFill>
+                  <a:schemeClr val="tx1"/>
+                </a:solidFill>
+                <a:latin typeface="Arial" panose="020B0604020202020204" pitchFamily="34" charset="0"/>
+                <a:ea typeface="宋体" panose="02010600030101010101" pitchFamily="2" charset="-122"/>
+              </a:defRPr>
+            </a:lvl4pPr>
+            <a:lvl5pPr>
+              <a:defRPr>
+                <a:solidFill>
+                  <a:schemeClr val="tx1"/>
+                </a:solidFill>
+                <a:latin typeface="Arial" panose="020B0604020202020204" pitchFamily="34" charset="0"/>
+                <a:ea typeface="宋体" panose="02010600030101010101" pitchFamily="2" charset="-122"/>
+              </a:defRPr>
+            </a:lvl5pPr>
+            <a:lvl6pPr fontAlgn="base">
+              <a:spcBef>
+                <a:spcPct val="0"/>
+              </a:spcBef>
+              <a:spcAft>
+                <a:spcPct val="0"/>
+              </a:spcAft>
+              <a:buFont typeface="Arial" panose="020B0604020202020204" pitchFamily="34" charset="0"/>
+              <a:defRPr>
+                <a:solidFill>
+                  <a:schemeClr val="tx1"/>
+                </a:solidFill>
+                <a:latin typeface="Arial" panose="020B0604020202020204" pitchFamily="34" charset="0"/>
+                <a:ea typeface="宋体" panose="02010600030101010101" pitchFamily="2" charset="-122"/>
+              </a:defRPr>
+            </a:lvl6pPr>
+            <a:lvl7pPr fontAlgn="base">
+              <a:spcBef>
+                <a:spcPct val="0"/>
+              </a:spcBef>
+              <a:spcAft>
+                <a:spcPct val="0"/>
+              </a:spcAft>
+              <a:buFont typeface="Arial" panose="020B0604020202020204" pitchFamily="34" charset="0"/>
+              <a:defRPr>
+                <a:solidFill>
+                  <a:schemeClr val="tx1"/>
+                </a:solidFill>
+                <a:latin typeface="Arial" panose="020B0604020202020204" pitchFamily="34" charset="0"/>
+                <a:ea typeface="宋体" panose="02010600030101010101" pitchFamily="2" charset="-122"/>
+              </a:defRPr>
+            </a:lvl7pPr>
+            <a:lvl8pPr fontAlgn="base">
+              <a:spcBef>
+                <a:spcPct val="0"/>
+              </a:spcBef>
+              <a:spcAft>
+                <a:spcPct val="0"/>
+              </a:spcAft>
+              <a:buFont typeface="Arial" panose="020B0604020202020204" pitchFamily="34" charset="0"/>
+              <a:defRPr>
+                <a:solidFill>
+                  <a:schemeClr val="tx1"/>
+                </a:solidFill>
+                <a:latin typeface="Arial" panose="020B0604020202020204" pitchFamily="34" charset="0"/>
+                <a:ea typeface="宋体" panose="02010600030101010101" pitchFamily="2" charset="-122"/>
+              </a:defRPr>
+            </a:lvl8pPr>
+            <a:lvl9pPr fontAlgn="base">
+              <a:spcBef>
+                <a:spcPct val="0"/>
+              </a:spcBef>
+              <a:spcAft>
+                <a:spcPct val="0"/>
+              </a:spcAft>
+              <a:buFont typeface="Arial" panose="020B0604020202020204" pitchFamily="34" charset="0"/>
+              <a:defRPr>
+                <a:solidFill>
+                  <a:schemeClr val="tx1"/>
+                </a:solidFill>
+                <a:latin typeface="Arial" panose="020B0604020202020204" pitchFamily="34" charset="0"/>
+                <a:ea typeface="宋体" panose="02010600030101010101" pitchFamily="2" charset="-122"/>
+              </a:defRPr>
+            </a:lvl9pPr>
+          </a:lstStyle>
+          <a:p>
+            <a:pPr algn="ctr">
+              <a:lnSpc>
+                <a:spcPct val="150000"/>
+              </a:lnSpc>
+            </a:pPr>
+            <a:r>
+              <a:rPr lang="zh-CN" altLang="en-US" sz="2000" b="1" dirty="0" smtClean="0">
+                <a:latin typeface="微软雅黑" panose="020B0503020204020204" pitchFamily="34" charset="-122"/>
+                <a:ea typeface="微软雅黑" panose="020B0503020204020204" pitchFamily="34" charset="-122"/>
+                <a:sym typeface="经典繁仿黑" pitchFamily="1" charset="-122"/>
+              </a:rPr>
+              <a:t>教学团队   陈希</a:t>
+            </a:r>
+            <a:r>
+              <a:rPr lang="zh-CN" altLang="en-US" sz="2000" b="1" dirty="0" smtClean="0">
+                <a:latin typeface="微软雅黑" panose="020B0503020204020204" pitchFamily="34" charset="-122"/>
+                <a:ea typeface="微软雅黑" panose="020B0503020204020204" pitchFamily="34" charset="-122"/>
+                <a:sym typeface="经典繁仿黑" pitchFamily="1" charset="-122"/>
+              </a:rPr>
+              <a:t>   </a:t>
+            </a:r>
+            <a:endParaRPr lang="en-US" altLang="zh-CN" sz="2000" b="1" dirty="0" smtClean="0">
+              <a:latin typeface="微软雅黑" panose="020B0503020204020204" pitchFamily="34" charset="-122"/>
+              <a:ea typeface="微软雅黑" panose="020B0503020204020204" pitchFamily="34" charset="-122"/>
+              <a:sym typeface="经典繁仿黑" pitchFamily="1" charset="-122"/>
+            </a:endParaRPr>
+          </a:p>
+          <a:p>
+            <a:pPr algn="ctr">
+              <a:lnSpc>
+                <a:spcPct val="150000"/>
+              </a:lnSpc>
+            </a:pPr>
+            <a:endParaRPr lang="en-US" altLang="zh-CN" sz="2000" b="1" dirty="0">
+              <a:latin typeface="微软雅黑" panose="020B0503020204020204" pitchFamily="34" charset="-122"/>
+              <a:ea typeface="微软雅黑" panose="020B0503020204020204" pitchFamily="34" charset="-122"/>
+              <a:sym typeface="经典繁仿黑" pitchFamily="1" charset="-122"/>
+            </a:endParaRPr>
           </a:p>
         </p:txBody>
       </p:sp>
     </p:spTree>
-    <p:custDataLst>
-      <p:tags r:id="rId3"/>
-    </p:custDataLst>
   </p:cSld>
   <p:clrMapOvr>
     <a:masterClrMapping/>
   </p:clrMapOvr>
+  <p:transition spd="slow"/>
+  <p:timing>
+    <p:tnLst>
+      <p:par>
+        <p:cTn id="1" dur="indefinite" restart="never" nodeType="tmRoot"/>
+      </p:par>
+    </p:tnLst>
+  </p:timing>
 </p:sld>
 </file>
 
@@ -3523,8 +4184,8 @@
         </p:nvSpPr>
         <p:spPr>
           <a:xfrm>
-            <a:off x="839762" y="1268507"/>
-            <a:ext cx="7223376" cy="4707890"/>
+            <a:off x="983298" y="1557020"/>
+            <a:ext cx="8482330" cy="2014855"/>
           </a:xfrm>
           <a:prstGeom prst="rect">
             <a:avLst/>
@@ -3536,7 +4197,7 @@
             <a:spAutoFit/>
           </a:bodyPr>
           <a:p>
-            <a:pPr fontAlgn="auto">
+            <a:pPr eaLnBrk="1" fontAlgn="auto" latinLnBrk="0" hangingPunct="1">
               <a:lnSpc>
                 <a:spcPts val="3000"/>
               </a:lnSpc>
@@ -3547,7 +4208,7 @@
                 <a:ea typeface="微软雅黑" panose="020B0503020204020204" pitchFamily="34" charset="-122"/>
                 <a:cs typeface="微软雅黑" panose="020B0503020204020204" pitchFamily="34" charset="-122"/>
               </a:rPr>
-              <a:t>      俞</a:t>
+              <a:t>      </a:t>
             </a:r>
             <a:r>
               <a:rPr lang="zh-CN" altLang="en-US" sz="1985">
@@ -3555,7 +4216,7 @@
                 <a:ea typeface="微软雅黑" panose="020B0503020204020204" pitchFamily="34" charset="-122"/>
                 <a:cs typeface="微软雅黑" panose="020B0503020204020204" pitchFamily="34" charset="-122"/>
               </a:rPr>
-              <a:t>光岩</a:t>
+              <a:t>后来俞教授儿子在美国念完大学后，选择到 UC</a:t>
             </a:r>
             <a:r>
               <a:rPr lang="en-US" altLang="zh-CN" sz="1985">
@@ -3563,7 +4224,7 @@
                 <a:ea typeface="微软雅黑" panose="020B0503020204020204" pitchFamily="34" charset="-122"/>
                 <a:cs typeface="微软雅黑" panose="020B0503020204020204" pitchFamily="34" charset="-122"/>
               </a:rPr>
-              <a:t>教授</a:t>
+              <a:t>L</a:t>
             </a:r>
             <a:r>
               <a:rPr lang="zh-CN" altLang="en-US" sz="1985">
@@ -3571,63 +4232,15 @@
                 <a:ea typeface="微软雅黑" panose="020B0503020204020204" pitchFamily="34" charset="-122"/>
                 <a:cs typeface="微软雅黑" panose="020B0503020204020204" pitchFamily="34" charset="-122"/>
               </a:rPr>
-              <a:t>曾是北京大学口腔医学院院长，主要</a:t>
-            </a:r>
-            <a:r>
-              <a:rPr lang="en-US" altLang="zh-CN" sz="1985">
+              <a:t>A 牙科学院继续学习 。幼时耳濡目染，所以选择牙科，俞教授倒不惊讶 。一次俞教授去看望 儿子，问起将来的专业方向选择 ，当时儿子说 ，我要学口腔颌面外科 。这正是俞教授的专业，也是美国牙科中学习周期最长的专业之一 。儿子的理由是牙科是治病 ，口腔</a:t>
+            </a:r>
+            <a:r>
+              <a:rPr lang="zh-CN" altLang="en-US" sz="1985">
                 <a:latin typeface="微软雅黑" panose="020B0503020204020204" pitchFamily="34" charset="-122"/>
                 <a:ea typeface="微软雅黑" panose="020B0503020204020204" pitchFamily="34" charset="-122"/>
                 <a:cs typeface="微软雅黑" panose="020B0503020204020204" pitchFamily="34" charset="-122"/>
               </a:rPr>
-              <a:t>研究</a:t>
-            </a:r>
-            <a:r>
-              <a:rPr lang="zh-CN" altLang="en-US" sz="1985">
-                <a:latin typeface="微软雅黑" panose="020B0503020204020204" pitchFamily="34" charset="-122"/>
-                <a:ea typeface="微软雅黑" panose="020B0503020204020204" pitchFamily="34" charset="-122"/>
-                <a:cs typeface="微软雅黑" panose="020B0503020204020204" pitchFamily="34" charset="-122"/>
-              </a:rPr>
-              <a:t>方向是唾液腺疾病，</a:t>
-            </a:r>
-            <a:r>
-              <a:rPr lang="en-US" altLang="zh-CN" sz="1985">
-                <a:latin typeface="微软雅黑" panose="020B0503020204020204" pitchFamily="34" charset="-122"/>
-                <a:ea typeface="微软雅黑" panose="020B0503020204020204" pitchFamily="34" charset="-122"/>
-                <a:cs typeface="微软雅黑" panose="020B0503020204020204" pitchFamily="34" charset="-122"/>
-              </a:rPr>
-              <a:t>口腔</a:t>
-            </a:r>
-            <a:r>
-              <a:rPr lang="zh-CN" altLang="en-US" sz="1985">
-                <a:latin typeface="微软雅黑" panose="020B0503020204020204" pitchFamily="34" charset="-122"/>
-                <a:ea typeface="微软雅黑" panose="020B0503020204020204" pitchFamily="34" charset="-122"/>
-                <a:cs typeface="微软雅黑" panose="020B0503020204020204" pitchFamily="34" charset="-122"/>
-              </a:rPr>
-              <a:t>颌面部</a:t>
-            </a:r>
-            <a:r>
-              <a:rPr lang="en-US" altLang="zh-CN" sz="1985">
-                <a:latin typeface="微软雅黑" panose="020B0503020204020204" pitchFamily="34" charset="-122"/>
-                <a:ea typeface="微软雅黑" panose="020B0503020204020204" pitchFamily="34" charset="-122"/>
-                <a:cs typeface="微软雅黑" panose="020B0503020204020204" pitchFamily="34" charset="-122"/>
-              </a:rPr>
-              <a:t>肿瘤</a:t>
-            </a:r>
-            <a:r>
-              <a:rPr lang="zh-CN" altLang="en-US" sz="1985">
-                <a:latin typeface="微软雅黑" panose="020B0503020204020204" pitchFamily="34" charset="-122"/>
-                <a:ea typeface="微软雅黑" panose="020B0503020204020204" pitchFamily="34" charset="-122"/>
-                <a:cs typeface="微软雅黑" panose="020B0503020204020204" pitchFamily="34" charset="-122"/>
-              </a:rPr>
-              <a:t>以及下颌下腺移植治疗重症干眼</a:t>
-            </a:r>
-            <a:r>
-              <a:rPr lang="zh-CN" altLang="en-US" sz="1985">
-                <a:latin typeface="微软雅黑" panose="020B0503020204020204" pitchFamily="34" charset="-122"/>
-                <a:ea typeface="微软雅黑" panose="020B0503020204020204" pitchFamily="34" charset="-122"/>
-                <a:cs typeface="微软雅黑" panose="020B0503020204020204" pitchFamily="34" charset="-122"/>
-              </a:rPr>
-              <a:t>症。</a:t>
+              <a:t>颌面外科是救人 !</a:t>
             </a:r>
             <a:endParaRPr lang="zh-CN" altLang="en-US" sz="1985">
               <a:latin typeface="微软雅黑" panose="020B0503020204020204" pitchFamily="34" charset="-122"/>
@@ -3635,104 +4248,8 @@
               <a:cs typeface="微软雅黑" panose="020B0503020204020204" pitchFamily="34" charset="-122"/>
             </a:endParaRPr>
           </a:p>
-          <a:p>
-            <a:pPr fontAlgn="auto">
-              <a:lnSpc>
-                <a:spcPts val="3000"/>
-              </a:lnSpc>
-            </a:pPr>
-            <a:r>
-              <a:rPr lang="en-US" altLang="zh-CN" sz="1985">
-                <a:latin typeface="微软雅黑" panose="020B0503020204020204" pitchFamily="34" charset="-122"/>
-                <a:ea typeface="微软雅黑" panose="020B0503020204020204" pitchFamily="34" charset="-122"/>
-                <a:cs typeface="微软雅黑" panose="020B0503020204020204" pitchFamily="34" charset="-122"/>
-              </a:rPr>
-              <a:t>      </a:t>
-            </a:r>
-            <a:r>
-              <a:rPr lang="zh-CN" altLang="en-US" sz="1985">
-                <a:latin typeface="微软雅黑" panose="020B0503020204020204" pitchFamily="34" charset="-122"/>
-                <a:ea typeface="微软雅黑" panose="020B0503020204020204" pitchFamily="34" charset="-122"/>
-                <a:cs typeface="微软雅黑" panose="020B0503020204020204" pitchFamily="34" charset="-122"/>
-              </a:rPr>
-              <a:t>有一次 休息日，</a:t>
-            </a:r>
-            <a:r>
-              <a:rPr lang="en-US" altLang="zh-CN" sz="1985">
-                <a:latin typeface="微软雅黑" panose="020B0503020204020204" pitchFamily="34" charset="-122"/>
-                <a:ea typeface="微软雅黑" panose="020B0503020204020204" pitchFamily="34" charset="-122"/>
-                <a:cs typeface="微软雅黑" panose="020B0503020204020204" pitchFamily="34" charset="-122"/>
-                <a:sym typeface="+mn-ea"/>
-              </a:rPr>
-              <a:t>俞</a:t>
-            </a:r>
-            <a:r>
-              <a:rPr lang="zh-CN" altLang="en-US" sz="1985">
-                <a:latin typeface="微软雅黑" panose="020B0503020204020204" pitchFamily="34" charset="-122"/>
-                <a:ea typeface="微软雅黑" panose="020B0503020204020204" pitchFamily="34" charset="-122"/>
-                <a:cs typeface="微软雅黑" panose="020B0503020204020204" pitchFamily="34" charset="-122"/>
-                <a:sym typeface="+mn-ea"/>
-              </a:rPr>
-              <a:t>光岩</a:t>
-            </a:r>
-            <a:r>
-              <a:rPr lang="en-US" altLang="zh-CN" sz="1985">
-                <a:latin typeface="微软雅黑" panose="020B0503020204020204" pitchFamily="34" charset="-122"/>
-                <a:ea typeface="微软雅黑" panose="020B0503020204020204" pitchFamily="34" charset="-122"/>
-                <a:cs typeface="微软雅黑" panose="020B0503020204020204" pitchFamily="34" charset="-122"/>
-                <a:sym typeface="+mn-ea"/>
-              </a:rPr>
-              <a:t>教授</a:t>
-            </a:r>
-            <a:r>
-              <a:rPr lang="zh-CN" altLang="en-US" sz="1985">
-                <a:latin typeface="微软雅黑" panose="020B0503020204020204" pitchFamily="34" charset="-122"/>
-                <a:ea typeface="微软雅黑" panose="020B0503020204020204" pitchFamily="34" charset="-122"/>
-                <a:cs typeface="微软雅黑" panose="020B0503020204020204" pitchFamily="34" charset="-122"/>
-                <a:sym typeface="+mn-ea"/>
-              </a:rPr>
-              <a:t>和他儿子</a:t>
-            </a:r>
-            <a:r>
-              <a:rPr lang="zh-CN" altLang="en-US" sz="1985">
-                <a:latin typeface="微软雅黑" panose="020B0503020204020204" pitchFamily="34" charset="-122"/>
-                <a:ea typeface="微软雅黑" panose="020B0503020204020204" pitchFamily="34" charset="-122"/>
-                <a:cs typeface="微软雅黑" panose="020B0503020204020204" pitchFamily="34" charset="-122"/>
-              </a:rPr>
-              <a:t>二人在家里  ，忽然昕见有人敲门，开门一 看 ，是个患者来访 ，患者面部生有肿瘤 ，形状可怕 ，小孩子看见心生恐怖 ，几乎要哭出来，立刻要把门关上，而俞教搜却丝毫不觉得不方便或不舒服，马上把患者让进家中，让座倒水，既和蔼又耐心的与患者交谈，安慰讲解。小孩子觉得好奇怪 ，奇怪爸爸为什么不怕昵，站在一旁静静看着大人说话  ，看看看看 ，觉得很平静 ，慢慢忘记了害怕。那个时候，孩子还不懂什么叫医者仁心，但是 ，那 温和待人的态度 ，那种真诚平等的精神，像一颗小种子，在孩子心中发了芽 。</a:t>
-            </a:r>
-            <a:endParaRPr lang="en-US" altLang="zh-CN" sz="1985">
-              <a:latin typeface="微软雅黑" panose="020B0503020204020204" pitchFamily="34" charset="-122"/>
-              <a:ea typeface="微软雅黑" panose="020B0503020204020204" pitchFamily="34" charset="-122"/>
-              <a:cs typeface="微软雅黑" panose="020B0503020204020204" pitchFamily="34" charset="-122"/>
-            </a:endParaRPr>
-          </a:p>
-        </p:txBody>
-      </p:sp>
-      <p:pic>
-        <p:nvPicPr>
-          <p:cNvPr id="5" name="图片 4" descr="俞光岩"/>
-          <p:cNvPicPr>
-            <a:picLocks noChangeAspect="1"/>
-          </p:cNvPicPr>
-          <p:nvPr/>
-        </p:nvPicPr>
-        <p:blipFill>
-          <a:blip r:embed="rId1"/>
-          <a:stretch>
-            <a:fillRect/>
-          </a:stretch>
-        </p:blipFill>
-        <p:spPr>
-          <a:xfrm>
-            <a:off x="8184198" y="1628775"/>
-            <a:ext cx="2832100" cy="3719830"/>
-          </a:xfrm>
-          <a:prstGeom prst="rect">
-            <a:avLst/>
-          </a:prstGeom>
-        </p:spPr>
-      </p:pic>
+        </p:txBody>
+      </p:sp>
     </p:spTree>
   </p:cSld>
   <p:clrMapOvr>
@@ -3743,131 +4260,6 @@
 </file>
 
 <file path=ppt/slides/slide11.xml><?xml version="1.0" encoding="utf-8"?>
-<p:sld xmlns:a="http://schemas.openxmlformats.org/drawingml/2006/main" xmlns:r="http://schemas.openxmlformats.org/officeDocument/2006/relationships" xmlns:p="http://schemas.openxmlformats.org/presentationml/2006/main">
-  <p:cSld>
-    <p:spTree>
-      <p:nvGrpSpPr>
-        <p:cNvPr id="1" name=""/>
-        <p:cNvGrpSpPr/>
-        <p:nvPr/>
-      </p:nvGrpSpPr>
-      <p:grpSpPr/>
-      <p:sp>
-        <p:nvSpPr>
-          <p:cNvPr id="2" name="标题 1"/>
-          <p:cNvSpPr>
-            <a:spLocks noGrp="1"/>
-          </p:cNvSpPr>
-          <p:nvPr>
-            <p:ph type="title"/>
-          </p:nvPr>
-        </p:nvSpPr>
-        <p:spPr>
-          <a:xfrm>
-            <a:off x="1233411" y="302060"/>
-            <a:ext cx="10301841" cy="1133177"/>
-          </a:xfrm>
-        </p:spPr>
-        <p:txBody>
-          <a:bodyPr/>
-          <a:p>
-            <a:pPr algn="l"/>
-            <a:r>
-              <a:rPr lang="zh-CN" altLang="en-US" sz="4360"/>
-              <a:t>思政小故事（生命</a:t>
-            </a:r>
-            <a:r>
-              <a:rPr lang="zh-CN" altLang="en-US" sz="4360"/>
-              <a:t>教育）</a:t>
-            </a:r>
-            <a:endParaRPr lang="zh-CN" altLang="en-US" sz="4360"/>
-          </a:p>
-        </p:txBody>
-      </p:sp>
-      <p:sp>
-        <p:nvSpPr>
-          <p:cNvPr id="3" name="文本框 2"/>
-          <p:cNvSpPr txBox="1"/>
-          <p:nvPr/>
-        </p:nvSpPr>
-        <p:spPr>
-          <a:xfrm>
-            <a:off x="983298" y="1557020"/>
-            <a:ext cx="8482330" cy="2014855"/>
-          </a:xfrm>
-          <a:prstGeom prst="rect">
-            <a:avLst/>
-          </a:prstGeom>
-          <a:noFill/>
-        </p:spPr>
-        <p:txBody>
-          <a:bodyPr wrap="square" rtlCol="0">
-            <a:spAutoFit/>
-          </a:bodyPr>
-          <a:p>
-            <a:pPr eaLnBrk="1" fontAlgn="auto" latinLnBrk="0" hangingPunct="1">
-              <a:lnSpc>
-                <a:spcPts val="3000"/>
-              </a:lnSpc>
-            </a:pPr>
-            <a:r>
-              <a:rPr lang="en-US" altLang="zh-CN" sz="1985">
-                <a:latin typeface="微软雅黑" panose="020B0503020204020204" pitchFamily="34" charset="-122"/>
-                <a:ea typeface="微软雅黑" panose="020B0503020204020204" pitchFamily="34" charset="-122"/>
-                <a:cs typeface="微软雅黑" panose="020B0503020204020204" pitchFamily="34" charset="-122"/>
-              </a:rPr>
-              <a:t>      </a:t>
-            </a:r>
-            <a:r>
-              <a:rPr lang="zh-CN" altLang="en-US" sz="1985">
-                <a:latin typeface="微软雅黑" panose="020B0503020204020204" pitchFamily="34" charset="-122"/>
-                <a:ea typeface="微软雅黑" panose="020B0503020204020204" pitchFamily="34" charset="-122"/>
-                <a:cs typeface="微软雅黑" panose="020B0503020204020204" pitchFamily="34" charset="-122"/>
-              </a:rPr>
-              <a:t>后来俞教授儿子在美国念完大学后，选择到 UC</a:t>
-            </a:r>
-            <a:r>
-              <a:rPr lang="en-US" altLang="zh-CN" sz="1985">
-                <a:latin typeface="微软雅黑" panose="020B0503020204020204" pitchFamily="34" charset="-122"/>
-                <a:ea typeface="微软雅黑" panose="020B0503020204020204" pitchFamily="34" charset="-122"/>
-                <a:cs typeface="微软雅黑" panose="020B0503020204020204" pitchFamily="34" charset="-122"/>
-              </a:rPr>
-              <a:t>L</a:t>
-            </a:r>
-            <a:r>
-              <a:rPr lang="zh-CN" altLang="en-US" sz="1985">
-                <a:latin typeface="微软雅黑" panose="020B0503020204020204" pitchFamily="34" charset="-122"/>
-                <a:ea typeface="微软雅黑" panose="020B0503020204020204" pitchFamily="34" charset="-122"/>
-                <a:cs typeface="微软雅黑" panose="020B0503020204020204" pitchFamily="34" charset="-122"/>
-              </a:rPr>
-              <a:t>A 牙科学院继续学习 。幼时耳濡目染，所以选择牙科，俞教授倒不惊讶 。一次俞教授去看望 儿子，问起将来的专业方向选择 ，当时儿子说 ，我要学口腔颌面外科 。这正是俞教授的专业，也是美国牙科中学习周期最长的专业之一 。儿子的理由是牙科是治病 ，口腔</a:t>
-            </a:r>
-            <a:r>
-              <a:rPr lang="zh-CN" altLang="en-US" sz="1985">
-                <a:latin typeface="微软雅黑" panose="020B0503020204020204" pitchFamily="34" charset="-122"/>
-                <a:ea typeface="微软雅黑" panose="020B0503020204020204" pitchFamily="34" charset="-122"/>
-                <a:cs typeface="微软雅黑" panose="020B0503020204020204" pitchFamily="34" charset="-122"/>
-              </a:rPr>
-              <a:t>颌面外科是救人 !</a:t>
-            </a:r>
-            <a:endParaRPr lang="zh-CN" altLang="en-US" sz="1985">
-              <a:latin typeface="微软雅黑" panose="020B0503020204020204" pitchFamily="34" charset="-122"/>
-              <a:ea typeface="微软雅黑" panose="020B0503020204020204" pitchFamily="34" charset="-122"/>
-              <a:cs typeface="微软雅黑" panose="020B0503020204020204" pitchFamily="34" charset="-122"/>
-            </a:endParaRPr>
-          </a:p>
-        </p:txBody>
-      </p:sp>
-    </p:spTree>
-  </p:cSld>
-  <p:clrMapOvr>
-    <a:masterClrMapping/>
-  </p:clrMapOvr>
-  <p:transition spd="slow"/>
-</p:sld>
-</file>
-
-<file path=ppt/slides/slide12.xml><?xml version="1.0" encoding="utf-8"?>
 <p:sld xmlns:a="http://schemas.openxmlformats.org/drawingml/2006/main" xmlns:r="http://schemas.openxmlformats.org/officeDocument/2006/relationships" xmlns:p="http://schemas.openxmlformats.org/presentationml/2006/main">
   <p:cSld>
     <p:spTree>
@@ -4040,7 +4432,7 @@
 </p:sld>
 </file>
 
-<file path=ppt/slides/slide13.xml><?xml version="1.0" encoding="utf-8"?>
+<file path=ppt/slides/slide12.xml><?xml version="1.0" encoding="utf-8"?>
 <p:sld xmlns:a="http://schemas.openxmlformats.org/drawingml/2006/main" xmlns:r="http://schemas.openxmlformats.org/officeDocument/2006/relationships" xmlns:p="http://schemas.openxmlformats.org/presentationml/2006/main">
   <p:cSld>
     <p:spTree>
@@ -4185,7 +4577,7 @@
 </p:sld>
 </file>
 
-<file path=ppt/slides/slide14.xml><?xml version="1.0" encoding="utf-8"?>
+<file path=ppt/slides/slide13.xml><?xml version="1.0" encoding="utf-8"?>
 <p:sld xmlns:a="http://schemas.openxmlformats.org/drawingml/2006/main" xmlns:r="http://schemas.openxmlformats.org/officeDocument/2006/relationships" xmlns:p="http://schemas.openxmlformats.org/presentationml/2006/main">
   <p:cSld>
     <p:spTree>
@@ -4359,7 +4751,7 @@
 </p:sld>
 </file>
 
-<file path=ppt/slides/slide15.xml><?xml version="1.0" encoding="utf-8"?>
+<file path=ppt/slides/slide14.xml><?xml version="1.0" encoding="utf-8"?>
 <p:sld xmlns:a="http://schemas.openxmlformats.org/drawingml/2006/main" xmlns:r="http://schemas.openxmlformats.org/officeDocument/2006/relationships" xmlns:p="http://schemas.openxmlformats.org/presentationml/2006/main">
   <p:cSld>
     <p:spTree>
@@ -5127,7 +5519,7 @@
 </p:sld>
 </file>
 
-<file path=ppt/slides/slide16.xml><?xml version="1.0" encoding="utf-8"?>
+<file path=ppt/slides/slide15.xml><?xml version="1.0" encoding="utf-8"?>
 <p:sld xmlns:a="http://schemas.openxmlformats.org/drawingml/2006/main" xmlns:r="http://schemas.openxmlformats.org/officeDocument/2006/relationships" xmlns:p="http://schemas.openxmlformats.org/presentationml/2006/main">
   <p:cSld>
     <p:spTree>
@@ -5308,7 +5700,7 @@
 </p:sld>
 </file>
 
-<file path=ppt/slides/slide17.xml><?xml version="1.0" encoding="utf-8"?>
+<file path=ppt/slides/slide16.xml><?xml version="1.0" encoding="utf-8"?>
 <p:sld xmlns:a="http://schemas.openxmlformats.org/drawingml/2006/main" xmlns:r="http://schemas.openxmlformats.org/officeDocument/2006/relationships" xmlns:p="http://schemas.openxmlformats.org/presentationml/2006/main">
   <p:cSld>
     <p:spTree>
@@ -5571,746 +5963,6 @@
 </file>
 
 <file path=ppt/slides/slide2.xml><?xml version="1.0" encoding="utf-8"?>
-<p:sld xmlns:a="http://schemas.openxmlformats.org/drawingml/2006/main" xmlns:r="http://schemas.openxmlformats.org/officeDocument/2006/relationships" xmlns:p="http://schemas.openxmlformats.org/presentationml/2006/main">
-  <p:cSld>
-    <p:spTree>
-      <p:nvGrpSpPr>
-        <p:cNvPr id="1" name=""/>
-        <p:cNvGrpSpPr/>
-        <p:nvPr/>
-      </p:nvGrpSpPr>
-      <p:grpSpPr>
-        <a:xfrm>
-          <a:off x="0" y="0"/>
-          <a:ext cx="0" cy="0"/>
-          <a:chOff x="0" y="0"/>
-          <a:chExt cx="0" cy="0"/>
-        </a:xfrm>
-      </p:grpSpPr>
-      <p:sp>
-        <p:nvSpPr>
-          <p:cNvPr id="2" name="标题 1"/>
-          <p:cNvSpPr>
-            <a:spLocks noGrp="1"/>
-          </p:cNvSpPr>
-          <p:nvPr>
-            <p:ph type="title"/>
-          </p:nvPr>
-        </p:nvSpPr>
-        <p:spPr/>
-        <p:txBody>
-          <a:bodyPr/>
-          <a:p>
-            <a:endParaRPr lang="zh-CN" altLang="en-US"/>
-          </a:p>
-        </p:txBody>
-      </p:sp>
-      <p:pic>
-        <p:nvPicPr>
-          <p:cNvPr id="3" name="Picture 7"/>
-          <p:cNvPicPr>
-            <a:picLocks noChangeAspect="1" noChangeArrowheads="1"/>
-          </p:cNvPicPr>
-          <p:nvPr/>
-        </p:nvPicPr>
-        <p:blipFill>
-          <a:blip r:embed="rId1">
-            <a:extLst>
-              <a:ext uri="{28A0092B-C50C-407E-A947-70E740481C1C}">
-                <a14:useLocalDpi xmlns:a14="http://schemas.microsoft.com/office/drawing/2010/main" val="0"/>
-              </a:ext>
-            </a:extLst>
-          </a:blip>
-          <a:srcRect/>
-          <a:stretch>
-            <a:fillRect/>
-          </a:stretch>
-        </p:blipFill>
-        <p:spPr bwMode="auto">
-          <a:xfrm>
-            <a:off x="0" y="0"/>
-            <a:ext cx="12270105" cy="4146550"/>
-          </a:xfrm>
-          <a:prstGeom prst="rect">
-            <a:avLst/>
-          </a:prstGeom>
-          <a:noFill/>
-          <a:ln>
-            <a:noFill/>
-          </a:ln>
-          <a:effectLst/>
-          <a:extLst>
-            <a:ext uri="{909E8E84-426E-40DD-AFC4-6F175D3DCCD1}">
-              <a14:hiddenFill xmlns:a14="http://schemas.microsoft.com/office/drawing/2010/main">
-                <a:solidFill>
-                  <a:schemeClr val="accent1"/>
-                </a:solidFill>
-              </a14:hiddenFill>
-            </a:ext>
-            <a:ext uri="{91240B29-F687-4F45-9708-019B960494DF}">
-              <a14:hiddenLine xmlns:a14="http://schemas.microsoft.com/office/drawing/2010/main" w="9525">
-                <a:solidFill>
-                  <a:schemeClr val="tx1"/>
-                </a:solidFill>
-                <a:miter lim="800000"/>
-                <a:headEnd/>
-                <a:tailEnd/>
-              </a14:hiddenLine>
-            </a:ext>
-            <a:ext uri="{AF507438-7753-43E0-B8FC-AC1667EBCBE1}">
-              <a14:hiddenEffects xmlns:a14="http://schemas.microsoft.com/office/drawing/2010/main">
-                <a:effectLst>
-                  <a:outerShdw dist="35921" dir="2700000" algn="ctr" rotWithShape="0">
-                    <a:schemeClr val="bg2"/>
-                  </a:outerShdw>
-                </a:effectLst>
-              </a14:hiddenEffects>
-            </a:ext>
-          </a:extLst>
-        </p:spPr>
-      </p:pic>
-      <p:sp>
-        <p:nvSpPr>
-          <p:cNvPr id="5" name="矩形 2"/>
-          <p:cNvSpPr>
-            <a:spLocks noChangeArrowheads="1"/>
-          </p:cNvSpPr>
-          <p:nvPr/>
-        </p:nvSpPr>
-        <p:spPr bwMode="auto">
-          <a:xfrm>
-            <a:off x="145733" y="4147593"/>
-            <a:ext cx="8777547" cy="521970"/>
-          </a:xfrm>
-          <a:prstGeom prst="rect">
-            <a:avLst/>
-          </a:prstGeom>
-          <a:noFill/>
-          <a:ln>
-            <a:noFill/>
-          </a:ln>
-          <a:extLst>
-            <a:ext uri="{909E8E84-426E-40DD-AFC4-6F175D3DCCD1}">
-              <a14:hiddenFill xmlns:a14="http://schemas.microsoft.com/office/drawing/2010/main">
-                <a:solidFill>
-                  <a:srgbClr val="FFFFFF"/>
-                </a:solidFill>
-              </a14:hiddenFill>
-            </a:ext>
-            <a:ext uri="{91240B29-F687-4F45-9708-019B960494DF}">
-              <a14:hiddenLine xmlns:a14="http://schemas.microsoft.com/office/drawing/2010/main" w="9525">
-                <a:solidFill>
-                  <a:srgbClr val="000000"/>
-                </a:solidFill>
-                <a:miter lim="800000"/>
-                <a:headEnd/>
-                <a:tailEnd/>
-              </a14:hiddenLine>
-            </a:ext>
-          </a:extLst>
-        </p:spPr>
-        <p:txBody>
-          <a:bodyPr wrap="square" anchor="ctr">
-            <a:spAutoFit/>
-          </a:bodyPr>
-          <a:lstStyle>
-            <a:lvl1pPr>
-              <a:defRPr>
-                <a:solidFill>
-                  <a:schemeClr val="tx1"/>
-                </a:solidFill>
-                <a:latin typeface="Arial" panose="020B0604020202020204" pitchFamily="34" charset="0"/>
-                <a:ea typeface="宋体" panose="02010600030101010101" pitchFamily="2" charset="-122"/>
-              </a:defRPr>
-            </a:lvl1pPr>
-            <a:lvl2pPr>
-              <a:defRPr>
-                <a:solidFill>
-                  <a:schemeClr val="tx1"/>
-                </a:solidFill>
-                <a:latin typeface="Arial" panose="020B0604020202020204" pitchFamily="34" charset="0"/>
-                <a:ea typeface="宋体" panose="02010600030101010101" pitchFamily="2" charset="-122"/>
-              </a:defRPr>
-            </a:lvl2pPr>
-            <a:lvl3pPr>
-              <a:defRPr>
-                <a:solidFill>
-                  <a:schemeClr val="tx1"/>
-                </a:solidFill>
-                <a:latin typeface="Arial" panose="020B0604020202020204" pitchFamily="34" charset="0"/>
-                <a:ea typeface="宋体" panose="02010600030101010101" pitchFamily="2" charset="-122"/>
-              </a:defRPr>
-            </a:lvl3pPr>
-            <a:lvl4pPr>
-              <a:defRPr>
-                <a:solidFill>
-                  <a:schemeClr val="tx1"/>
-                </a:solidFill>
-                <a:latin typeface="Arial" panose="020B0604020202020204" pitchFamily="34" charset="0"/>
-                <a:ea typeface="宋体" panose="02010600030101010101" pitchFamily="2" charset="-122"/>
-              </a:defRPr>
-            </a:lvl4pPr>
-            <a:lvl5pPr>
-              <a:defRPr>
-                <a:solidFill>
-                  <a:schemeClr val="tx1"/>
-                </a:solidFill>
-                <a:latin typeface="Arial" panose="020B0604020202020204" pitchFamily="34" charset="0"/>
-                <a:ea typeface="宋体" panose="02010600030101010101" pitchFamily="2" charset="-122"/>
-              </a:defRPr>
-            </a:lvl5pPr>
-            <a:lvl6pPr fontAlgn="base">
-              <a:spcBef>
-                <a:spcPct val="0"/>
-              </a:spcBef>
-              <a:spcAft>
-                <a:spcPct val="0"/>
-              </a:spcAft>
-              <a:buFont typeface="Arial" panose="020B0604020202020204" pitchFamily="34" charset="0"/>
-              <a:defRPr>
-                <a:solidFill>
-                  <a:schemeClr val="tx1"/>
-                </a:solidFill>
-                <a:latin typeface="Arial" panose="020B0604020202020204" pitchFamily="34" charset="0"/>
-                <a:ea typeface="宋体" panose="02010600030101010101" pitchFamily="2" charset="-122"/>
-              </a:defRPr>
-            </a:lvl6pPr>
-            <a:lvl7pPr fontAlgn="base">
-              <a:spcBef>
-                <a:spcPct val="0"/>
-              </a:spcBef>
-              <a:spcAft>
-                <a:spcPct val="0"/>
-              </a:spcAft>
-              <a:buFont typeface="Arial" panose="020B0604020202020204" pitchFamily="34" charset="0"/>
-              <a:defRPr>
-                <a:solidFill>
-                  <a:schemeClr val="tx1"/>
-                </a:solidFill>
-                <a:latin typeface="Arial" panose="020B0604020202020204" pitchFamily="34" charset="0"/>
-                <a:ea typeface="宋体" panose="02010600030101010101" pitchFamily="2" charset="-122"/>
-              </a:defRPr>
-            </a:lvl7pPr>
-            <a:lvl8pPr fontAlgn="base">
-              <a:spcBef>
-                <a:spcPct val="0"/>
-              </a:spcBef>
-              <a:spcAft>
-                <a:spcPct val="0"/>
-              </a:spcAft>
-              <a:buFont typeface="Arial" panose="020B0604020202020204" pitchFamily="34" charset="0"/>
-              <a:defRPr>
-                <a:solidFill>
-                  <a:schemeClr val="tx1"/>
-                </a:solidFill>
-                <a:latin typeface="Arial" panose="020B0604020202020204" pitchFamily="34" charset="0"/>
-                <a:ea typeface="宋体" panose="02010600030101010101" pitchFamily="2" charset="-122"/>
-              </a:defRPr>
-            </a:lvl8pPr>
-            <a:lvl9pPr fontAlgn="base">
-              <a:spcBef>
-                <a:spcPct val="0"/>
-              </a:spcBef>
-              <a:spcAft>
-                <a:spcPct val="0"/>
-              </a:spcAft>
-              <a:buFont typeface="Arial" panose="020B0604020202020204" pitchFamily="34" charset="0"/>
-              <a:defRPr>
-                <a:solidFill>
-                  <a:schemeClr val="tx1"/>
-                </a:solidFill>
-                <a:latin typeface="Arial" panose="020B0604020202020204" pitchFamily="34" charset="0"/>
-                <a:ea typeface="宋体" panose="02010600030101010101" pitchFamily="2" charset="-122"/>
-              </a:defRPr>
-            </a:lvl9pPr>
-          </a:lstStyle>
-          <a:p>
-            <a:r>
-              <a:rPr lang="zh-CN" altLang="en-US" sz="2800" b="1" dirty="0">
-                <a:solidFill>
-                  <a:srgbClr val="595959"/>
-                </a:solidFill>
-                <a:latin typeface="微软雅黑" panose="020B0503020204020204" pitchFamily="34" charset="-122"/>
-                <a:ea typeface="微软雅黑" panose="020B0503020204020204" pitchFamily="34" charset="-122"/>
-                <a:sym typeface="经典繁仿黑" pitchFamily="1" charset="-122"/>
-              </a:rPr>
-              <a:t>上海健康医学院</a:t>
-            </a:r>
-            <a:r>
-              <a:rPr lang="en-US" altLang="zh-CN" sz="2800" b="1" dirty="0" smtClean="0">
-                <a:solidFill>
-                  <a:srgbClr val="595959"/>
-                </a:solidFill>
-                <a:latin typeface="微软雅黑" panose="020B0503020204020204" pitchFamily="34" charset="-122"/>
-                <a:ea typeface="微软雅黑" panose="020B0503020204020204" pitchFamily="34" charset="-122"/>
-                <a:sym typeface="经典繁仿黑" pitchFamily="1" charset="-122"/>
-              </a:rPr>
-              <a:t>《</a:t>
-            </a:r>
-            <a:r>
-              <a:rPr lang="zh-CN" altLang="en-US" sz="2800" b="1" dirty="0" smtClean="0">
-                <a:solidFill>
-                  <a:srgbClr val="595959"/>
-                </a:solidFill>
-                <a:latin typeface="微软雅黑" panose="020B0503020204020204" pitchFamily="34" charset="-122"/>
-                <a:ea typeface="微软雅黑" panose="020B0503020204020204" pitchFamily="34" charset="-122"/>
-                <a:sym typeface="经典繁仿黑" pitchFamily="1" charset="-122"/>
-              </a:rPr>
-              <a:t>口腔科学</a:t>
-            </a:r>
-            <a:r>
-              <a:rPr lang="en-US" altLang="zh-CN" sz="2800" b="1" dirty="0" smtClean="0">
-                <a:solidFill>
-                  <a:srgbClr val="595959"/>
-                </a:solidFill>
-                <a:latin typeface="微软雅黑" panose="020B0503020204020204" pitchFamily="34" charset="-122"/>
-                <a:ea typeface="微软雅黑" panose="020B0503020204020204" pitchFamily="34" charset="-122"/>
-                <a:sym typeface="经典繁仿黑" pitchFamily="1" charset="-122"/>
-              </a:rPr>
-              <a:t>》</a:t>
-            </a:r>
-            <a:endParaRPr lang="zh-CN" altLang="en-US" sz="2800" b="1" dirty="0">
-              <a:solidFill>
-                <a:srgbClr val="595959"/>
-              </a:solidFill>
-              <a:latin typeface="微软雅黑" panose="020B0503020204020204" pitchFamily="34" charset="-122"/>
-              <a:ea typeface="微软雅黑" panose="020B0503020204020204" pitchFamily="34" charset="-122"/>
-              <a:sym typeface="经典繁仿黑" pitchFamily="1" charset="-122"/>
-            </a:endParaRPr>
-          </a:p>
-        </p:txBody>
-      </p:sp>
-      <p:sp>
-        <p:nvSpPr>
-          <p:cNvPr id="6" name="TextBox 3"/>
-          <p:cNvSpPr>
-            <a:spLocks noChangeArrowheads="1"/>
-          </p:cNvSpPr>
-          <p:nvPr/>
-        </p:nvSpPr>
-        <p:spPr bwMode="auto">
-          <a:xfrm>
-            <a:off x="2008969" y="4594627"/>
-            <a:ext cx="8393112" cy="1445260"/>
-          </a:xfrm>
-          <a:prstGeom prst="rect">
-            <a:avLst/>
-          </a:prstGeom>
-          <a:noFill/>
-          <a:ln>
-            <a:noFill/>
-          </a:ln>
-          <a:extLst>
-            <a:ext uri="{909E8E84-426E-40DD-AFC4-6F175D3DCCD1}">
-              <a14:hiddenFill xmlns:a14="http://schemas.microsoft.com/office/drawing/2010/main">
-                <a:solidFill>
-                  <a:srgbClr val="FFFFFF"/>
-                </a:solidFill>
-              </a14:hiddenFill>
-            </a:ext>
-            <a:ext uri="{91240B29-F687-4F45-9708-019B960494DF}">
-              <a14:hiddenLine xmlns:a14="http://schemas.microsoft.com/office/drawing/2010/main" w="9525">
-                <a:solidFill>
-                  <a:srgbClr val="000000"/>
-                </a:solidFill>
-                <a:miter lim="800000"/>
-                <a:headEnd/>
-                <a:tailEnd/>
-              </a14:hiddenLine>
-            </a:ext>
-          </a:extLst>
-        </p:spPr>
-        <p:txBody>
-          <a:bodyPr anchor="ctr">
-            <a:spAutoFit/>
-          </a:bodyPr>
-          <a:lstStyle>
-            <a:lvl1pPr>
-              <a:defRPr>
-                <a:solidFill>
-                  <a:schemeClr val="tx1"/>
-                </a:solidFill>
-                <a:latin typeface="Arial" panose="020B0604020202020204" pitchFamily="34" charset="0"/>
-                <a:ea typeface="宋体" panose="02010600030101010101" pitchFamily="2" charset="-122"/>
-              </a:defRPr>
-            </a:lvl1pPr>
-            <a:lvl2pPr>
-              <a:defRPr>
-                <a:solidFill>
-                  <a:schemeClr val="tx1"/>
-                </a:solidFill>
-                <a:latin typeface="Arial" panose="020B0604020202020204" pitchFamily="34" charset="0"/>
-                <a:ea typeface="宋体" panose="02010600030101010101" pitchFamily="2" charset="-122"/>
-              </a:defRPr>
-            </a:lvl2pPr>
-            <a:lvl3pPr>
-              <a:defRPr>
-                <a:solidFill>
-                  <a:schemeClr val="tx1"/>
-                </a:solidFill>
-                <a:latin typeface="Arial" panose="020B0604020202020204" pitchFamily="34" charset="0"/>
-                <a:ea typeface="宋体" panose="02010600030101010101" pitchFamily="2" charset="-122"/>
-              </a:defRPr>
-            </a:lvl3pPr>
-            <a:lvl4pPr>
-              <a:defRPr>
-                <a:solidFill>
-                  <a:schemeClr val="tx1"/>
-                </a:solidFill>
-                <a:latin typeface="Arial" panose="020B0604020202020204" pitchFamily="34" charset="0"/>
-                <a:ea typeface="宋体" panose="02010600030101010101" pitchFamily="2" charset="-122"/>
-              </a:defRPr>
-            </a:lvl4pPr>
-            <a:lvl5pPr>
-              <a:defRPr>
-                <a:solidFill>
-                  <a:schemeClr val="tx1"/>
-                </a:solidFill>
-                <a:latin typeface="Arial" panose="020B0604020202020204" pitchFamily="34" charset="0"/>
-                <a:ea typeface="宋体" panose="02010600030101010101" pitchFamily="2" charset="-122"/>
-              </a:defRPr>
-            </a:lvl5pPr>
-            <a:lvl6pPr fontAlgn="base">
-              <a:spcBef>
-                <a:spcPct val="0"/>
-              </a:spcBef>
-              <a:spcAft>
-                <a:spcPct val="0"/>
-              </a:spcAft>
-              <a:buFont typeface="Arial" panose="020B0604020202020204" pitchFamily="34" charset="0"/>
-              <a:defRPr>
-                <a:solidFill>
-                  <a:schemeClr val="tx1"/>
-                </a:solidFill>
-                <a:latin typeface="Arial" panose="020B0604020202020204" pitchFamily="34" charset="0"/>
-                <a:ea typeface="宋体" panose="02010600030101010101" pitchFamily="2" charset="-122"/>
-              </a:defRPr>
-            </a:lvl6pPr>
-            <a:lvl7pPr fontAlgn="base">
-              <a:spcBef>
-                <a:spcPct val="0"/>
-              </a:spcBef>
-              <a:spcAft>
-                <a:spcPct val="0"/>
-              </a:spcAft>
-              <a:buFont typeface="Arial" panose="020B0604020202020204" pitchFamily="34" charset="0"/>
-              <a:defRPr>
-                <a:solidFill>
-                  <a:schemeClr val="tx1"/>
-                </a:solidFill>
-                <a:latin typeface="Arial" panose="020B0604020202020204" pitchFamily="34" charset="0"/>
-                <a:ea typeface="宋体" panose="02010600030101010101" pitchFamily="2" charset="-122"/>
-              </a:defRPr>
-            </a:lvl7pPr>
-            <a:lvl8pPr fontAlgn="base">
-              <a:spcBef>
-                <a:spcPct val="0"/>
-              </a:spcBef>
-              <a:spcAft>
-                <a:spcPct val="0"/>
-              </a:spcAft>
-              <a:buFont typeface="Arial" panose="020B0604020202020204" pitchFamily="34" charset="0"/>
-              <a:defRPr>
-                <a:solidFill>
-                  <a:schemeClr val="tx1"/>
-                </a:solidFill>
-                <a:latin typeface="Arial" panose="020B0604020202020204" pitchFamily="34" charset="0"/>
-                <a:ea typeface="宋体" panose="02010600030101010101" pitchFamily="2" charset="-122"/>
-              </a:defRPr>
-            </a:lvl8pPr>
-            <a:lvl9pPr fontAlgn="base">
-              <a:spcBef>
-                <a:spcPct val="0"/>
-              </a:spcBef>
-              <a:spcAft>
-                <a:spcPct val="0"/>
-              </a:spcAft>
-              <a:buFont typeface="Arial" panose="020B0604020202020204" pitchFamily="34" charset="0"/>
-              <a:defRPr>
-                <a:solidFill>
-                  <a:schemeClr val="tx1"/>
-                </a:solidFill>
-                <a:latin typeface="Arial" panose="020B0604020202020204" pitchFamily="34" charset="0"/>
-                <a:ea typeface="宋体" panose="02010600030101010101" pitchFamily="2" charset="-122"/>
-              </a:defRPr>
-            </a:lvl9pPr>
-          </a:lstStyle>
-          <a:p>
-            <a:pPr algn="ctr"/>
-            <a:r>
-              <a:rPr lang="zh-CN" altLang="en-US" sz="4400" b="1" smtClean="0">
-                <a:latin typeface="微软雅黑" panose="020B0503020204020204" pitchFamily="34" charset="-122"/>
-                <a:ea typeface="微软雅黑" panose="020B0503020204020204" pitchFamily="34" charset="-122"/>
-                <a:sym typeface="经典繁仿黑" pitchFamily="1" charset="-122"/>
-              </a:rPr>
-              <a:t> </a:t>
-            </a:r>
-            <a:r>
-              <a:rPr lang="zh-CN" altLang="en-US" sz="4400" b="1" smtClean="0">
-                <a:solidFill>
-                  <a:srgbClr val="C00000"/>
-                </a:solidFill>
-                <a:latin typeface="微软雅黑" panose="020B0503020204020204" pitchFamily="34" charset="-122"/>
-                <a:ea typeface="微软雅黑" panose="020B0503020204020204" pitchFamily="34" charset="-122"/>
-                <a:sym typeface="经典繁仿黑" pitchFamily="1" charset="-122"/>
-              </a:rPr>
-              <a:t>第一章 </a:t>
-            </a:r>
-            <a:r>
-              <a:rPr lang="zh-CN" altLang="en-US" sz="4400" b="1" dirty="0" smtClean="0">
-                <a:solidFill>
-                  <a:srgbClr val="C00000"/>
-                </a:solidFill>
-                <a:latin typeface="Times New Roman" panose="02020603050405020304"/>
-                <a:ea typeface="微软雅黑" panose="020B0503020204020204" pitchFamily="34" charset="-122"/>
-              </a:rPr>
-              <a:t>口腔</a:t>
-            </a:r>
-            <a:r>
-              <a:rPr lang="zh-CN" altLang="en-US" sz="4400" b="1" dirty="0">
-                <a:solidFill>
-                  <a:srgbClr val="C00000"/>
-                </a:solidFill>
-                <a:latin typeface="Times New Roman" panose="02020603050405020304"/>
-                <a:ea typeface="微软雅黑" panose="020B0503020204020204" pitchFamily="34" charset="-122"/>
-              </a:rPr>
-              <a:t>颌面部解剖生理</a:t>
-            </a:r>
-            <a:endParaRPr lang="en-US" altLang="zh-CN" sz="4400" b="1" dirty="0">
-              <a:solidFill>
-                <a:srgbClr val="2B2F3A"/>
-              </a:solidFill>
-              <a:latin typeface="Times New Roman" panose="02020603050405020304"/>
-              <a:ea typeface="微软雅黑" panose="020B0503020204020204" pitchFamily="34" charset="-122"/>
-            </a:endParaRPr>
-          </a:p>
-          <a:p>
-            <a:pPr algn="ctr"/>
-            <a:endParaRPr lang="en-US" altLang="zh-CN" sz="4400" b="1" dirty="0">
-              <a:solidFill>
-                <a:srgbClr val="C00000"/>
-              </a:solidFill>
-              <a:latin typeface="微软雅黑" panose="020B0503020204020204" pitchFamily="34" charset="-122"/>
-              <a:ea typeface="微软雅黑" panose="020B0503020204020204" pitchFamily="34" charset="-122"/>
-              <a:sym typeface="经典繁仿黑" pitchFamily="1" charset="-122"/>
-            </a:endParaRPr>
-          </a:p>
-        </p:txBody>
-      </p:sp>
-      <p:sp>
-        <p:nvSpPr>
-          <p:cNvPr id="7" name="TextBox 7"/>
-          <p:cNvSpPr>
-            <a:spLocks noChangeArrowheads="1"/>
-          </p:cNvSpPr>
-          <p:nvPr/>
-        </p:nvSpPr>
-        <p:spPr bwMode="auto">
-          <a:xfrm>
-            <a:off x="3788410" y="5091034"/>
-            <a:ext cx="4615790" cy="1014730"/>
-          </a:xfrm>
-          <a:prstGeom prst="rect">
-            <a:avLst/>
-          </a:prstGeom>
-          <a:noFill/>
-          <a:ln>
-            <a:noFill/>
-          </a:ln>
-          <a:extLst>
-            <a:ext uri="{909E8E84-426E-40DD-AFC4-6F175D3DCCD1}">
-              <a14:hiddenFill xmlns:a14="http://schemas.microsoft.com/office/drawing/2010/main">
-                <a:solidFill>
-                  <a:srgbClr val="FFFFFF"/>
-                </a:solidFill>
-              </a14:hiddenFill>
-            </a:ext>
-            <a:ext uri="{91240B29-F687-4F45-9708-019B960494DF}">
-              <a14:hiddenLine xmlns:a14="http://schemas.microsoft.com/office/drawing/2010/main" w="9525">
-                <a:solidFill>
-                  <a:srgbClr val="000000"/>
-                </a:solidFill>
-                <a:miter lim="800000"/>
-                <a:headEnd/>
-                <a:tailEnd/>
-              </a14:hiddenLine>
-            </a:ext>
-          </a:extLst>
-        </p:spPr>
-        <p:txBody>
-          <a:bodyPr wrap="square" anchor="ctr">
-            <a:spAutoFit/>
-          </a:bodyPr>
-          <a:lstStyle>
-            <a:lvl1pPr>
-              <a:defRPr>
-                <a:solidFill>
-                  <a:schemeClr val="tx1"/>
-                </a:solidFill>
-                <a:latin typeface="Arial" panose="020B0604020202020204" pitchFamily="34" charset="0"/>
-                <a:ea typeface="宋体" panose="02010600030101010101" pitchFamily="2" charset="-122"/>
-              </a:defRPr>
-            </a:lvl1pPr>
-            <a:lvl2pPr>
-              <a:defRPr>
-                <a:solidFill>
-                  <a:schemeClr val="tx1"/>
-                </a:solidFill>
-                <a:latin typeface="Arial" panose="020B0604020202020204" pitchFamily="34" charset="0"/>
-                <a:ea typeface="宋体" panose="02010600030101010101" pitchFamily="2" charset="-122"/>
-              </a:defRPr>
-            </a:lvl2pPr>
-            <a:lvl3pPr>
-              <a:defRPr>
-                <a:solidFill>
-                  <a:schemeClr val="tx1"/>
-                </a:solidFill>
-                <a:latin typeface="Arial" panose="020B0604020202020204" pitchFamily="34" charset="0"/>
-                <a:ea typeface="宋体" panose="02010600030101010101" pitchFamily="2" charset="-122"/>
-              </a:defRPr>
-            </a:lvl3pPr>
-            <a:lvl4pPr>
-              <a:defRPr>
-                <a:solidFill>
-                  <a:schemeClr val="tx1"/>
-                </a:solidFill>
-                <a:latin typeface="Arial" panose="020B0604020202020204" pitchFamily="34" charset="0"/>
-                <a:ea typeface="宋体" panose="02010600030101010101" pitchFamily="2" charset="-122"/>
-              </a:defRPr>
-            </a:lvl4pPr>
-            <a:lvl5pPr>
-              <a:defRPr>
-                <a:solidFill>
-                  <a:schemeClr val="tx1"/>
-                </a:solidFill>
-                <a:latin typeface="Arial" panose="020B0604020202020204" pitchFamily="34" charset="0"/>
-                <a:ea typeface="宋体" panose="02010600030101010101" pitchFamily="2" charset="-122"/>
-              </a:defRPr>
-            </a:lvl5pPr>
-            <a:lvl6pPr fontAlgn="base">
-              <a:spcBef>
-                <a:spcPct val="0"/>
-              </a:spcBef>
-              <a:spcAft>
-                <a:spcPct val="0"/>
-              </a:spcAft>
-              <a:buFont typeface="Arial" panose="020B0604020202020204" pitchFamily="34" charset="0"/>
-              <a:defRPr>
-                <a:solidFill>
-                  <a:schemeClr val="tx1"/>
-                </a:solidFill>
-                <a:latin typeface="Arial" panose="020B0604020202020204" pitchFamily="34" charset="0"/>
-                <a:ea typeface="宋体" panose="02010600030101010101" pitchFamily="2" charset="-122"/>
-              </a:defRPr>
-            </a:lvl6pPr>
-            <a:lvl7pPr fontAlgn="base">
-              <a:spcBef>
-                <a:spcPct val="0"/>
-              </a:spcBef>
-              <a:spcAft>
-                <a:spcPct val="0"/>
-              </a:spcAft>
-              <a:buFont typeface="Arial" panose="020B0604020202020204" pitchFamily="34" charset="0"/>
-              <a:defRPr>
-                <a:solidFill>
-                  <a:schemeClr val="tx1"/>
-                </a:solidFill>
-                <a:latin typeface="Arial" panose="020B0604020202020204" pitchFamily="34" charset="0"/>
-                <a:ea typeface="宋体" panose="02010600030101010101" pitchFamily="2" charset="-122"/>
-              </a:defRPr>
-            </a:lvl7pPr>
-            <a:lvl8pPr fontAlgn="base">
-              <a:spcBef>
-                <a:spcPct val="0"/>
-              </a:spcBef>
-              <a:spcAft>
-                <a:spcPct val="0"/>
-              </a:spcAft>
-              <a:buFont typeface="Arial" panose="020B0604020202020204" pitchFamily="34" charset="0"/>
-              <a:defRPr>
-                <a:solidFill>
-                  <a:schemeClr val="tx1"/>
-                </a:solidFill>
-                <a:latin typeface="Arial" panose="020B0604020202020204" pitchFamily="34" charset="0"/>
-                <a:ea typeface="宋体" panose="02010600030101010101" pitchFamily="2" charset="-122"/>
-              </a:defRPr>
-            </a:lvl8pPr>
-            <a:lvl9pPr fontAlgn="base">
-              <a:spcBef>
-                <a:spcPct val="0"/>
-              </a:spcBef>
-              <a:spcAft>
-                <a:spcPct val="0"/>
-              </a:spcAft>
-              <a:buFont typeface="Arial" panose="020B0604020202020204" pitchFamily="34" charset="0"/>
-              <a:defRPr>
-                <a:solidFill>
-                  <a:schemeClr val="tx1"/>
-                </a:solidFill>
-                <a:latin typeface="Arial" panose="020B0604020202020204" pitchFamily="34" charset="0"/>
-                <a:ea typeface="宋体" panose="02010600030101010101" pitchFamily="2" charset="-122"/>
-              </a:defRPr>
-            </a:lvl9pPr>
-          </a:lstStyle>
-          <a:p>
-            <a:pPr algn="ctr">
-              <a:lnSpc>
-                <a:spcPct val="150000"/>
-              </a:lnSpc>
-            </a:pPr>
-            <a:r>
-              <a:rPr lang="zh-CN" altLang="en-US" sz="2000" b="1" dirty="0" smtClean="0">
-                <a:latin typeface="微软雅黑" panose="020B0503020204020204" pitchFamily="34" charset="-122"/>
-                <a:ea typeface="微软雅黑" panose="020B0503020204020204" pitchFamily="34" charset="-122"/>
-                <a:sym typeface="经典繁仿黑" pitchFamily="1" charset="-122"/>
-              </a:rPr>
-              <a:t>教学团队   陈希</a:t>
-            </a:r>
-            <a:r>
-              <a:rPr lang="zh-CN" altLang="en-US" sz="2000" b="1" dirty="0" smtClean="0">
-                <a:latin typeface="微软雅黑" panose="020B0503020204020204" pitchFamily="34" charset="-122"/>
-                <a:ea typeface="微软雅黑" panose="020B0503020204020204" pitchFamily="34" charset="-122"/>
-                <a:sym typeface="经典繁仿黑" pitchFamily="1" charset="-122"/>
-              </a:rPr>
-              <a:t>   </a:t>
-            </a:r>
-            <a:endParaRPr lang="en-US" altLang="zh-CN" sz="2000" b="1" dirty="0" smtClean="0">
-              <a:latin typeface="微软雅黑" panose="020B0503020204020204" pitchFamily="34" charset="-122"/>
-              <a:ea typeface="微软雅黑" panose="020B0503020204020204" pitchFamily="34" charset="-122"/>
-              <a:sym typeface="经典繁仿黑" pitchFamily="1" charset="-122"/>
-            </a:endParaRPr>
-          </a:p>
-          <a:p>
-            <a:pPr algn="ctr">
-              <a:lnSpc>
-                <a:spcPct val="150000"/>
-              </a:lnSpc>
-            </a:pPr>
-            <a:endParaRPr lang="en-US" altLang="zh-CN" sz="2000" b="1" dirty="0">
-              <a:latin typeface="微软雅黑" panose="020B0503020204020204" pitchFamily="34" charset="-122"/>
-              <a:ea typeface="微软雅黑" panose="020B0503020204020204" pitchFamily="34" charset="-122"/>
-              <a:sym typeface="经典繁仿黑" pitchFamily="1" charset="-122"/>
-            </a:endParaRPr>
-          </a:p>
-        </p:txBody>
-      </p:sp>
-    </p:spTree>
-  </p:cSld>
-  <p:clrMapOvr>
-    <a:masterClrMapping/>
-  </p:clrMapOvr>
-  <p:transition spd="slow"/>
-  <p:timing>
-    <p:tnLst>
-      <p:par>
-        <p:cTn id="1" dur="indefinite" restart="never" nodeType="tmRoot"/>
-      </p:par>
-    </p:tnLst>
-  </p:timing>
-</p:sld>
-</file>
-
-<file path=ppt/slides/slide3.xml><?xml version="1.0" encoding="utf-8"?>
 <p:sld xmlns:a="http://schemas.openxmlformats.org/drawingml/2006/main" xmlns:r="http://schemas.openxmlformats.org/officeDocument/2006/relationships" xmlns:p="http://schemas.openxmlformats.org/presentationml/2006/main">
   <p:cSld>
     <p:spTree>
@@ -6467,7 +6119,7 @@
 </p:sld>
 </file>
 
-<file path=ppt/slides/slide4.xml><?xml version="1.0" encoding="utf-8"?>
+<file path=ppt/slides/slide3.xml><?xml version="1.0" encoding="utf-8"?>
 <p:sld xmlns:a="http://schemas.openxmlformats.org/drawingml/2006/main" xmlns:r="http://schemas.openxmlformats.org/officeDocument/2006/relationships" xmlns:p="http://schemas.openxmlformats.org/presentationml/2006/main">
   <p:cSld>
     <p:spTree>
@@ -6684,7 +6336,7 @@
 </p:sld>
 </file>
 
-<file path=ppt/slides/slide5.xml><?xml version="1.0" encoding="utf-8"?>
+<file path=ppt/slides/slide4.xml><?xml version="1.0" encoding="utf-8"?>
 <p:sld xmlns:a="http://schemas.openxmlformats.org/drawingml/2006/main" xmlns:r="http://schemas.openxmlformats.org/officeDocument/2006/relationships" xmlns:p="http://schemas.openxmlformats.org/presentationml/2006/main">
   <p:cSld>
     <p:spTree>
@@ -7397,7 +7049,7 @@
 </p:sld>
 </file>
 
-<file path=ppt/slides/slide6.xml><?xml version="1.0" encoding="utf-8"?>
+<file path=ppt/slides/slide5.xml><?xml version="1.0" encoding="utf-8"?>
 <p:sld xmlns:a="http://schemas.openxmlformats.org/drawingml/2006/main" xmlns:r="http://schemas.openxmlformats.org/officeDocument/2006/relationships" xmlns:p="http://schemas.openxmlformats.org/presentationml/2006/main">
   <p:cSld>
     <p:spTree>
@@ -7530,7 +7182,7 @@
 </p:sld>
 </file>
 
-<file path=ppt/slides/slide7.xml><?xml version="1.0" encoding="utf-8"?>
+<file path=ppt/slides/slide6.xml><?xml version="1.0" encoding="utf-8"?>
 <p:sld xmlns:a="http://schemas.openxmlformats.org/drawingml/2006/main" xmlns:r="http://schemas.openxmlformats.org/officeDocument/2006/relationships" xmlns:p="http://schemas.openxmlformats.org/presentationml/2006/main">
   <p:cSld>
     <p:spTree>
@@ -8232,7 +7884,7 @@
 </p:sld>
 </file>
 
-<file path=ppt/slides/slide8.xml><?xml version="1.0" encoding="utf-8"?>
+<file path=ppt/slides/slide7.xml><?xml version="1.0" encoding="utf-8"?>
 <p:sld xmlns:a="http://schemas.openxmlformats.org/drawingml/2006/main" xmlns:r="http://schemas.openxmlformats.org/officeDocument/2006/relationships" xmlns:p="http://schemas.openxmlformats.org/presentationml/2006/main">
   <p:cSld>
     <p:spTree>
@@ -8473,7 +8125,7 @@
 </p:sld>
 </file>
 
-<file path=ppt/slides/slide9.xml><?xml version="1.0" encoding="utf-8"?>
+<file path=ppt/slides/slide8.xml><?xml version="1.0" encoding="utf-8"?>
 <p:sld xmlns:a="http://schemas.openxmlformats.org/drawingml/2006/main" xmlns:r="http://schemas.openxmlformats.org/officeDocument/2006/relationships" xmlns:p="http://schemas.openxmlformats.org/presentationml/2006/main">
   <p:cSld>
     <p:spTree>
@@ -9183,6 +8835,275 @@
       </p:par>
     </p:tnLst>
   </p:timing>
+</p:sld>
+</file>
+
+<file path=ppt/slides/slide9.xml><?xml version="1.0" encoding="utf-8"?>
+<p:sld xmlns:a="http://schemas.openxmlformats.org/drawingml/2006/main" xmlns:r="http://schemas.openxmlformats.org/officeDocument/2006/relationships" xmlns:p="http://schemas.openxmlformats.org/presentationml/2006/main">
+  <p:cSld>
+    <p:spTree>
+      <p:nvGrpSpPr>
+        <p:cNvPr id="1" name=""/>
+        <p:cNvGrpSpPr/>
+        <p:nvPr/>
+      </p:nvGrpSpPr>
+      <p:grpSpPr/>
+      <p:sp>
+        <p:nvSpPr>
+          <p:cNvPr id="2" name="标题 1"/>
+          <p:cNvSpPr>
+            <a:spLocks noGrp="1"/>
+          </p:cNvSpPr>
+          <p:nvPr>
+            <p:ph type="title"/>
+          </p:nvPr>
+        </p:nvSpPr>
+        <p:spPr>
+          <a:xfrm>
+            <a:off x="1233411" y="302060"/>
+            <a:ext cx="10301841" cy="1133177"/>
+          </a:xfrm>
+        </p:spPr>
+        <p:txBody>
+          <a:bodyPr/>
+          <a:p>
+            <a:pPr algn="l"/>
+            <a:r>
+              <a:rPr lang="zh-CN" altLang="en-US" sz="4360"/>
+              <a:t>思政小故事（生命</a:t>
+            </a:r>
+            <a:r>
+              <a:rPr lang="zh-CN" altLang="en-US" sz="4360"/>
+              <a:t>教育）</a:t>
+            </a:r>
+            <a:endParaRPr lang="zh-CN" altLang="en-US" sz="4360"/>
+          </a:p>
+        </p:txBody>
+      </p:sp>
+      <p:sp>
+        <p:nvSpPr>
+          <p:cNvPr id="3" name="文本框 2"/>
+          <p:cNvSpPr txBox="1"/>
+          <p:nvPr/>
+        </p:nvSpPr>
+        <p:spPr>
+          <a:xfrm>
+            <a:off x="839762" y="1268507"/>
+            <a:ext cx="7223376" cy="4707890"/>
+          </a:xfrm>
+          <a:prstGeom prst="rect">
+            <a:avLst/>
+          </a:prstGeom>
+          <a:noFill/>
+        </p:spPr>
+        <p:txBody>
+          <a:bodyPr wrap="square" rtlCol="0">
+            <a:spAutoFit/>
+          </a:bodyPr>
+          <a:p>
+            <a:pPr fontAlgn="auto">
+              <a:lnSpc>
+                <a:spcPts val="3000"/>
+              </a:lnSpc>
+            </a:pPr>
+            <a:r>
+              <a:rPr lang="en-US" altLang="zh-CN" sz="1985">
+                <a:latin typeface="微软雅黑" panose="020B0503020204020204" pitchFamily="34" charset="-122"/>
+                <a:ea typeface="微软雅黑" panose="020B0503020204020204" pitchFamily="34" charset="-122"/>
+                <a:cs typeface="微软雅黑" panose="020B0503020204020204" pitchFamily="34" charset="-122"/>
+              </a:rPr>
+              <a:t>      俞</a:t>
+            </a:r>
+            <a:r>
+              <a:rPr lang="zh-CN" altLang="en-US" sz="1985">
+                <a:latin typeface="微软雅黑" panose="020B0503020204020204" pitchFamily="34" charset="-122"/>
+                <a:ea typeface="微软雅黑" panose="020B0503020204020204" pitchFamily="34" charset="-122"/>
+                <a:cs typeface="微软雅黑" panose="020B0503020204020204" pitchFamily="34" charset="-122"/>
+              </a:rPr>
+              <a:t>光岩</a:t>
+            </a:r>
+            <a:r>
+              <a:rPr lang="en-US" altLang="zh-CN" sz="1985">
+                <a:latin typeface="微软雅黑" panose="020B0503020204020204" pitchFamily="34" charset="-122"/>
+                <a:ea typeface="微软雅黑" panose="020B0503020204020204" pitchFamily="34" charset="-122"/>
+                <a:cs typeface="微软雅黑" panose="020B0503020204020204" pitchFamily="34" charset="-122"/>
+              </a:rPr>
+              <a:t>教授</a:t>
+            </a:r>
+            <a:r>
+              <a:rPr lang="zh-CN" altLang="en-US" sz="1985">
+                <a:latin typeface="微软雅黑" panose="020B0503020204020204" pitchFamily="34" charset="-122"/>
+                <a:ea typeface="微软雅黑" panose="020B0503020204020204" pitchFamily="34" charset="-122"/>
+                <a:cs typeface="微软雅黑" panose="020B0503020204020204" pitchFamily="34" charset="-122"/>
+              </a:rPr>
+              <a:t>曾是北京大学口腔医学院院长，主要</a:t>
+            </a:r>
+            <a:r>
+              <a:rPr lang="en-US" altLang="zh-CN" sz="1985">
+                <a:latin typeface="微软雅黑" panose="020B0503020204020204" pitchFamily="34" charset="-122"/>
+                <a:ea typeface="微软雅黑" panose="020B0503020204020204" pitchFamily="34" charset="-122"/>
+                <a:cs typeface="微软雅黑" panose="020B0503020204020204" pitchFamily="34" charset="-122"/>
+              </a:rPr>
+              <a:t>研究</a:t>
+            </a:r>
+            <a:r>
+              <a:rPr lang="zh-CN" altLang="en-US" sz="1985">
+                <a:latin typeface="微软雅黑" panose="020B0503020204020204" pitchFamily="34" charset="-122"/>
+                <a:ea typeface="微软雅黑" panose="020B0503020204020204" pitchFamily="34" charset="-122"/>
+                <a:cs typeface="微软雅黑" panose="020B0503020204020204" pitchFamily="34" charset="-122"/>
+              </a:rPr>
+              <a:t>方向是唾液腺疾病，</a:t>
+            </a:r>
+            <a:r>
+              <a:rPr lang="en-US" altLang="zh-CN" sz="1985">
+                <a:latin typeface="微软雅黑" panose="020B0503020204020204" pitchFamily="34" charset="-122"/>
+                <a:ea typeface="微软雅黑" panose="020B0503020204020204" pitchFamily="34" charset="-122"/>
+                <a:cs typeface="微软雅黑" panose="020B0503020204020204" pitchFamily="34" charset="-122"/>
+              </a:rPr>
+              <a:t>口腔</a:t>
+            </a:r>
+            <a:r>
+              <a:rPr lang="zh-CN" altLang="en-US" sz="1985">
+                <a:latin typeface="微软雅黑" panose="020B0503020204020204" pitchFamily="34" charset="-122"/>
+                <a:ea typeface="微软雅黑" panose="020B0503020204020204" pitchFamily="34" charset="-122"/>
+                <a:cs typeface="微软雅黑" panose="020B0503020204020204" pitchFamily="34" charset="-122"/>
+              </a:rPr>
+              <a:t>颌面部</a:t>
+            </a:r>
+            <a:r>
+              <a:rPr lang="en-US" altLang="zh-CN" sz="1985">
+                <a:latin typeface="微软雅黑" panose="020B0503020204020204" pitchFamily="34" charset="-122"/>
+                <a:ea typeface="微软雅黑" panose="020B0503020204020204" pitchFamily="34" charset="-122"/>
+                <a:cs typeface="微软雅黑" panose="020B0503020204020204" pitchFamily="34" charset="-122"/>
+              </a:rPr>
+              <a:t>肿瘤</a:t>
+            </a:r>
+            <a:r>
+              <a:rPr lang="zh-CN" altLang="en-US" sz="1985">
+                <a:latin typeface="微软雅黑" panose="020B0503020204020204" pitchFamily="34" charset="-122"/>
+                <a:ea typeface="微软雅黑" panose="020B0503020204020204" pitchFamily="34" charset="-122"/>
+                <a:cs typeface="微软雅黑" panose="020B0503020204020204" pitchFamily="34" charset="-122"/>
+              </a:rPr>
+              <a:t>以及下颌下腺移植治疗重症干眼</a:t>
+            </a:r>
+            <a:r>
+              <a:rPr lang="zh-CN" altLang="en-US" sz="1985">
+                <a:latin typeface="微软雅黑" panose="020B0503020204020204" pitchFamily="34" charset="-122"/>
+                <a:ea typeface="微软雅黑" panose="020B0503020204020204" pitchFamily="34" charset="-122"/>
+                <a:cs typeface="微软雅黑" panose="020B0503020204020204" pitchFamily="34" charset="-122"/>
+              </a:rPr>
+              <a:t>症。</a:t>
+            </a:r>
+            <a:endParaRPr lang="zh-CN" altLang="en-US" sz="1985">
+              <a:latin typeface="微软雅黑" panose="020B0503020204020204" pitchFamily="34" charset="-122"/>
+              <a:ea typeface="微软雅黑" panose="020B0503020204020204" pitchFamily="34" charset="-122"/>
+              <a:cs typeface="微软雅黑" panose="020B0503020204020204" pitchFamily="34" charset="-122"/>
+            </a:endParaRPr>
+          </a:p>
+          <a:p>
+            <a:pPr fontAlgn="auto">
+              <a:lnSpc>
+                <a:spcPts val="3000"/>
+              </a:lnSpc>
+            </a:pPr>
+            <a:r>
+              <a:rPr lang="en-US" altLang="zh-CN" sz="1985">
+                <a:latin typeface="微软雅黑" panose="020B0503020204020204" pitchFamily="34" charset="-122"/>
+                <a:ea typeface="微软雅黑" panose="020B0503020204020204" pitchFamily="34" charset="-122"/>
+                <a:cs typeface="微软雅黑" panose="020B0503020204020204" pitchFamily="34" charset="-122"/>
+              </a:rPr>
+              <a:t>      </a:t>
+            </a:r>
+            <a:r>
+              <a:rPr lang="zh-CN" altLang="en-US" sz="1985">
+                <a:latin typeface="微软雅黑" panose="020B0503020204020204" pitchFamily="34" charset="-122"/>
+                <a:ea typeface="微软雅黑" panose="020B0503020204020204" pitchFamily="34" charset="-122"/>
+                <a:cs typeface="微软雅黑" panose="020B0503020204020204" pitchFamily="34" charset="-122"/>
+              </a:rPr>
+              <a:t>有一次 休息日，</a:t>
+            </a:r>
+            <a:r>
+              <a:rPr lang="en-US" altLang="zh-CN" sz="1985">
+                <a:latin typeface="微软雅黑" panose="020B0503020204020204" pitchFamily="34" charset="-122"/>
+                <a:ea typeface="微软雅黑" panose="020B0503020204020204" pitchFamily="34" charset="-122"/>
+                <a:cs typeface="微软雅黑" panose="020B0503020204020204" pitchFamily="34" charset="-122"/>
+                <a:sym typeface="+mn-ea"/>
+              </a:rPr>
+              <a:t>俞</a:t>
+            </a:r>
+            <a:r>
+              <a:rPr lang="zh-CN" altLang="en-US" sz="1985">
+                <a:latin typeface="微软雅黑" panose="020B0503020204020204" pitchFamily="34" charset="-122"/>
+                <a:ea typeface="微软雅黑" panose="020B0503020204020204" pitchFamily="34" charset="-122"/>
+                <a:cs typeface="微软雅黑" panose="020B0503020204020204" pitchFamily="34" charset="-122"/>
+                <a:sym typeface="+mn-ea"/>
+              </a:rPr>
+              <a:t>光岩</a:t>
+            </a:r>
+            <a:r>
+              <a:rPr lang="en-US" altLang="zh-CN" sz="1985">
+                <a:latin typeface="微软雅黑" panose="020B0503020204020204" pitchFamily="34" charset="-122"/>
+                <a:ea typeface="微软雅黑" panose="020B0503020204020204" pitchFamily="34" charset="-122"/>
+                <a:cs typeface="微软雅黑" panose="020B0503020204020204" pitchFamily="34" charset="-122"/>
+                <a:sym typeface="+mn-ea"/>
+              </a:rPr>
+              <a:t>教授</a:t>
+            </a:r>
+            <a:r>
+              <a:rPr lang="zh-CN" altLang="en-US" sz="1985">
+                <a:latin typeface="微软雅黑" panose="020B0503020204020204" pitchFamily="34" charset="-122"/>
+                <a:ea typeface="微软雅黑" panose="020B0503020204020204" pitchFamily="34" charset="-122"/>
+                <a:cs typeface="微软雅黑" panose="020B0503020204020204" pitchFamily="34" charset="-122"/>
+                <a:sym typeface="+mn-ea"/>
+              </a:rPr>
+              <a:t>和他儿子</a:t>
+            </a:r>
+            <a:r>
+              <a:rPr lang="zh-CN" altLang="en-US" sz="1985">
+                <a:latin typeface="微软雅黑" panose="020B0503020204020204" pitchFamily="34" charset="-122"/>
+                <a:ea typeface="微软雅黑" panose="020B0503020204020204" pitchFamily="34" charset="-122"/>
+                <a:cs typeface="微软雅黑" panose="020B0503020204020204" pitchFamily="34" charset="-122"/>
+              </a:rPr>
+              <a:t>二人在家里  ，忽然昕见有人敲门，开门一 看 ，是个患者来访 ，患者面部生有肿瘤 ，形状可怕 ，小孩子看见心生恐怖 ，几乎要哭出来，立刻要把门关上，而俞教搜却丝毫不觉得不方便或不舒服，马上把患者让进家中，让座倒水，既和蔼又耐心的与患者交谈，安慰讲解。小孩子觉得好奇怪 ，奇怪爸爸为什么不怕昵，站在一旁静静看着大人说话  ，看看看看 ，觉得很平静 ，慢慢忘记了害怕。那个时候，孩子还不懂什么叫医者仁心，但是 ，那 温和待人的态度 ，那种真诚平等的精神，像一颗小种子，在孩子心中发了芽 。</a:t>
+            </a:r>
+            <a:endParaRPr lang="en-US" altLang="zh-CN" sz="1985">
+              <a:latin typeface="微软雅黑" panose="020B0503020204020204" pitchFamily="34" charset="-122"/>
+              <a:ea typeface="微软雅黑" panose="020B0503020204020204" pitchFamily="34" charset="-122"/>
+              <a:cs typeface="微软雅黑" panose="020B0503020204020204" pitchFamily="34" charset="-122"/>
+            </a:endParaRPr>
+          </a:p>
+        </p:txBody>
+      </p:sp>
+      <p:pic>
+        <p:nvPicPr>
+          <p:cNvPr id="5" name="图片 4" descr="俞光岩"/>
+          <p:cNvPicPr>
+            <a:picLocks noChangeAspect="1"/>
+          </p:cNvPicPr>
+          <p:nvPr/>
+        </p:nvPicPr>
+        <p:blipFill>
+          <a:blip r:embed="rId1"/>
+          <a:stretch>
+            <a:fillRect/>
+          </a:stretch>
+        </p:blipFill>
+        <p:spPr>
+          <a:xfrm>
+            <a:off x="8184198" y="1628775"/>
+            <a:ext cx="2832100" cy="3719830"/>
+          </a:xfrm>
+          <a:prstGeom prst="rect">
+            <a:avLst/>
+          </a:prstGeom>
+        </p:spPr>
+      </p:pic>
+    </p:spTree>
+  </p:cSld>
+  <p:clrMapOvr>
+    <a:masterClrMapping/>
+  </p:clrMapOvr>
+  <p:transition spd="slow"/>
 </p:sld>
 </file>
 
@@ -9960,78 +9881,11 @@
 
 <file path=ppt/tags/tag63.xml><?xml version="1.0" encoding="utf-8"?>
 <p:tagLst xmlns:p="http://schemas.openxmlformats.org/presentationml/2006/main">
-  <p:tag name="KSO_WM_UNIT_ISCONTENTSTITLE" val="0"/>
-  <p:tag name="KSO_WM_UNIT_ISNUMDGMTITLE" val="0"/>
-  <p:tag name="KSO_WM_UNIT_PRESET_TEXT" val="空白演示"/>
-  <p:tag name="KSO_WM_UNIT_NOCLEAR" val="0"/>
-  <p:tag name="KSO_WM_UNIT_SHOW_EDIT_AREA_INDICATION" val="1"/>
-  <p:tag name="KSO_WM_UNIT_VALUE" val="28"/>
-  <p:tag name="KSO_WM_UNIT_HIGHLIGHT" val="0"/>
-  <p:tag name="KSO_WM_UNIT_COMPATIBLE" val="0"/>
-  <p:tag name="KSO_WM_UNIT_DIAGRAM_ISNUMVISUAL" val="0"/>
-  <p:tag name="KSO_WM_UNIT_DIAGRAM_ISREFERUNIT" val="0"/>
-  <p:tag name="KSO_WM_UNIT_TYPE" val="a"/>
-  <p:tag name="KSO_WM_UNIT_INDEX" val="1"/>
-  <p:tag name="KSO_WM_UNIT_ID" val="custom20205176_1*a*1"/>
-  <p:tag name="KSO_WM_TEMPLATE_CATEGORY" val="custom"/>
-  <p:tag name="KSO_WM_TEMPLATE_INDEX" val="20205176"/>
-  <p:tag name="KSO_WM_UNIT_LAYERLEVEL" val="1"/>
-  <p:tag name="KSO_WM_TAG_VERSION" val="1.0"/>
-  <p:tag name="KSO_WM_BEAUTIFY_FLAG" val="#wm#"/>
+  <p:tag name="KSO_WM_UNIT_PLACING_PICTURE_USER_VIEWPORT" val="{&quot;height&quot;:10800,&quot;width&quot;:8100}"/>
 </p:tagLst>
 </file>
 
 <file path=ppt/tags/tag64.xml><?xml version="1.0" encoding="utf-8"?>
-<p:tagLst xmlns:p="http://schemas.openxmlformats.org/presentationml/2006/main">
-  <p:tag name="KSO_WM_UNIT_ISCONTENTSTITLE" val="0"/>
-  <p:tag name="KSO_WM_UNIT_ISNUMDGMTITLE" val="0"/>
-  <p:tag name="KSO_WM_UNIT_PRESET_TEXT" val="单击输入您的封面副标题"/>
-  <p:tag name="KSO_WM_UNIT_NOCLEAR" val="0"/>
-  <p:tag name="KSO_WM_UNIT_SHOW_EDIT_AREA_INDICATION" val="1"/>
-  <p:tag name="KSO_WM_UNIT_VALUE" val="111"/>
-  <p:tag name="KSO_WM_UNIT_HIGHLIGHT" val="0"/>
-  <p:tag name="KSO_WM_UNIT_COMPATIBLE" val="0"/>
-  <p:tag name="KSO_WM_UNIT_DIAGRAM_ISNUMVISUAL" val="0"/>
-  <p:tag name="KSO_WM_UNIT_DIAGRAM_ISREFERUNIT" val="0"/>
-  <p:tag name="KSO_WM_UNIT_TYPE" val="b"/>
-  <p:tag name="KSO_WM_UNIT_INDEX" val="1"/>
-  <p:tag name="KSO_WM_UNIT_ID" val="custom20205176_1*b*1"/>
-  <p:tag name="KSO_WM_TEMPLATE_CATEGORY" val="custom"/>
-  <p:tag name="KSO_WM_TEMPLATE_INDEX" val="20205176"/>
-  <p:tag name="KSO_WM_UNIT_LAYERLEVEL" val="1"/>
-  <p:tag name="KSO_WM_TAG_VERSION" val="1.0"/>
-  <p:tag name="KSO_WM_BEAUTIFY_FLAG" val="#wm#"/>
-</p:tagLst>
-</file>
-
-<file path=ppt/tags/tag65.xml><?xml version="1.0" encoding="utf-8"?>
-<p:tagLst xmlns:p="http://schemas.openxmlformats.org/presentationml/2006/main">
-  <p:tag name="KSO_WM_SLIDE_ID" val="custom20205176_1"/>
-  <p:tag name="KSO_WM_TEMPLATE_SUBCATEGORY" val="19"/>
-  <p:tag name="KSO_WM_TEMPLATE_MASTER_TYPE" val="0"/>
-  <p:tag name="KSO_WM_TEMPLATE_COLOR_TYPE" val="1"/>
-  <p:tag name="KSO_WM_SLIDE_TYPE" val="title"/>
-  <p:tag name="KSO_WM_SLIDE_SUBTYPE" val="defaultBlank"/>
-  <p:tag name="KSO_WM_SLIDE_ITEM_CNT" val="0"/>
-  <p:tag name="KSO_WM_SLIDE_INDEX" val="1"/>
-  <p:tag name="KSO_WM_TAG_VERSION" val="1.0"/>
-  <p:tag name="KSO_WM_BEAUTIFY_FLAG" val="#wm#"/>
-  <p:tag name="KSO_WM_TEMPLATE_CATEGORY" val="custom"/>
-  <p:tag name="KSO_WM_TEMPLATE_INDEX" val="20205176"/>
-  <p:tag name="KSO_WM_SLIDE_LAYOUT" val="a_b"/>
-  <p:tag name="KSO_WM_SLIDE_LAYOUT_CNT" val="1_1"/>
-  <p:tag name="KSO_WM_UNIT_SHOW_EDIT_AREA_INDICATION" val="1"/>
-  <p:tag name="KSO_WM_TEMPLATE_THUMBS_INDEX" val="1、4、7、12、13、14、15、16、17、18、20、24、25、28、33、36、40、43、44"/>
-</p:tagLst>
-</file>
-
-<file path=ppt/tags/tag66.xml><?xml version="1.0" encoding="utf-8"?>
-<p:tagLst xmlns:p="http://schemas.openxmlformats.org/presentationml/2006/main">
-  <p:tag name="KSO_WM_UNIT_PLACING_PICTURE_USER_VIEWPORT" val="{&quot;height&quot;:10800,&quot;width&quot;:8100}"/>
-</p:tagLst>
-</file>
-
-<file path=ppt/tags/tag67.xml><?xml version="1.0" encoding="utf-8"?>
 <p:tagLst xmlns:p="http://schemas.openxmlformats.org/presentationml/2006/main">
   <p:tag name="KSO_WM_UNIT_PLACING_PICTURE_USER_VIEWPORT" val="{&quot;height&quot;:10800,&quot;width&quot;:8105}"/>
 </p:tagLst>
